--- a/RG571.pptx
+++ b/RG571.pptx
@@ -5,7 +5,7 @@
     <p:sldMasterId id="2147483648" r:id="rId1"/>
   </p:sldMasterIdLst>
   <p:notesMasterIdLst>
-    <p:notesMasterId r:id="rId41"/>
+    <p:notesMasterId r:id="rId42"/>
   </p:notesMasterIdLst>
   <p:sldIdLst>
     <p:sldId id="256" r:id="rId2"/>
@@ -36,17 +36,18 @@
     <p:sldId id="292" r:id="rId27"/>
     <p:sldId id="293" r:id="rId28"/>
     <p:sldId id="295" r:id="rId29"/>
-    <p:sldId id="270" r:id="rId30"/>
-    <p:sldId id="271" r:id="rId31"/>
-    <p:sldId id="265" r:id="rId32"/>
-    <p:sldId id="259" r:id="rId33"/>
-    <p:sldId id="260" r:id="rId34"/>
-    <p:sldId id="261" r:id="rId35"/>
-    <p:sldId id="262" r:id="rId36"/>
-    <p:sldId id="263" r:id="rId37"/>
-    <p:sldId id="264" r:id="rId38"/>
-    <p:sldId id="266" r:id="rId39"/>
-    <p:sldId id="267" r:id="rId40"/>
+    <p:sldId id="296" r:id="rId30"/>
+    <p:sldId id="270" r:id="rId31"/>
+    <p:sldId id="271" r:id="rId32"/>
+    <p:sldId id="265" r:id="rId33"/>
+    <p:sldId id="259" r:id="rId34"/>
+    <p:sldId id="260" r:id="rId35"/>
+    <p:sldId id="261" r:id="rId36"/>
+    <p:sldId id="262" r:id="rId37"/>
+    <p:sldId id="263" r:id="rId38"/>
+    <p:sldId id="264" r:id="rId39"/>
+    <p:sldId id="266" r:id="rId40"/>
+    <p:sldId id="267" r:id="rId41"/>
   </p:sldIdLst>
   <p:sldSz cx="9144000" cy="6858000" type="screen4x3"/>
   <p:notesSz cx="6858000" cy="9144000"/>
@@ -147,7 +148,7 @@
   </p:defaultTextStyle>
   <p:extLst>
     <p:ext uri="{EFAFB233-063F-42B5-8137-9DF3F51BA10A}">
-      <p15:sldGuideLst xmlns:p15="http://schemas.microsoft.com/office/powerpoint/2012/main" xmlns="">
+      <p15:sldGuideLst xmlns:p15="http://schemas.microsoft.com/office/powerpoint/2012/main">
         <p15:guide id="1" orient="horz" pos="2160">
           <p15:clr>
             <a:srgbClr val="A4A3A4"/>
@@ -3139,798 +3140,6 @@
       <dsp:cNvGrpSpPr/>
     </dsp:nvGrpSpPr>
     <dsp:grpSpPr/>
-    <dsp:sp modelId="{B78BD0C6-A4F7-FB43-B84A-D392154364F8}">
-      <dsp:nvSpPr>
-        <dsp:cNvPr id="0" name=""/>
-        <dsp:cNvSpPr/>
-      </dsp:nvSpPr>
-      <dsp:spPr>
-        <a:xfrm>
-          <a:off x="4684302" y="11318"/>
-          <a:ext cx="926231" cy="926231"/>
-        </a:xfrm>
-        <a:prstGeom prst="rect">
-          <a:avLst/>
-        </a:prstGeom>
-        <a:noFill/>
-        <a:ln>
-          <a:noFill/>
-        </a:ln>
-        <a:effectLst/>
-      </dsp:spPr>
-      <dsp:style>
-        <a:lnRef idx="0">
-          <a:scrgbClr r="0" g="0" b="0"/>
-        </a:lnRef>
-        <a:fillRef idx="0">
-          <a:scrgbClr r="0" g="0" b="0"/>
-        </a:fillRef>
-        <a:effectRef idx="0">
-          <a:scrgbClr r="0" g="0" b="0"/>
-        </a:effectRef>
-        <a:fontRef idx="minor"/>
-      </dsp:style>
-      <dsp:txBody>
-        <a:bodyPr spcFirstLastPara="0" vert="horz" wrap="square" lIns="38100" tIns="38100" rIns="38100" bIns="38100" numCol="1" spcCol="1270" anchor="ctr" anchorCtr="0">
-          <a:noAutofit/>
-        </a:bodyPr>
-        <a:lstStyle/>
-        <a:p>
-          <a:pPr lvl="0" algn="ctr" defTabSz="1333500">
-            <a:lnSpc>
-              <a:spcPct val="90000"/>
-            </a:lnSpc>
-            <a:spcBef>
-              <a:spcPct val="0"/>
-            </a:spcBef>
-            <a:spcAft>
-              <a:spcPct val="35000"/>
-            </a:spcAft>
-          </a:pPr>
-          <a:r>
-            <a:rPr lang="zh-TW" altLang="en-US" sz="3000" kern="1200" dirty="0" smtClean="0"/>
-            <a:t>整合</a:t>
-          </a:r>
-          <a:endParaRPr lang="zh-TW" altLang="en-US" sz="3000" kern="1200" dirty="0"/>
-        </a:p>
-      </dsp:txBody>
-      <dsp:txXfrm>
-        <a:off x="4684302" y="11318"/>
-        <a:ext cx="926231" cy="926231"/>
-      </dsp:txXfrm>
-    </dsp:sp>
-    <dsp:sp modelId="{1E4A1D45-E5C3-454F-9C83-8F0F4F4C54DE}">
-      <dsp:nvSpPr>
-        <dsp:cNvPr id="0" name=""/>
-        <dsp:cNvSpPr/>
-      </dsp:nvSpPr>
-      <dsp:spPr>
-        <a:xfrm>
-          <a:off x="1853897" y="2078"/>
-          <a:ext cx="4521805" cy="4521805"/>
-        </a:xfrm>
-        <a:prstGeom prst="circularArrow">
-          <a:avLst>
-            <a:gd name="adj1" fmla="val 3994"/>
-            <a:gd name="adj2" fmla="val 250596"/>
-            <a:gd name="adj3" fmla="val 20571900"/>
-            <a:gd name="adj4" fmla="val 18984357"/>
-            <a:gd name="adj5" fmla="val 4660"/>
-          </a:avLst>
-        </a:prstGeom>
-        <a:gradFill rotWithShape="0">
-          <a:gsLst>
-            <a:gs pos="0">
-              <a:schemeClr val="accent1">
-                <a:hueOff val="0"/>
-                <a:satOff val="0"/>
-                <a:lumOff val="0"/>
-                <a:alphaOff val="0"/>
-                <a:tint val="100000"/>
-                <a:shade val="100000"/>
-                <a:satMod val="130000"/>
-              </a:schemeClr>
-            </a:gs>
-            <a:gs pos="100000">
-              <a:schemeClr val="accent1">
-                <a:hueOff val="0"/>
-                <a:satOff val="0"/>
-                <a:lumOff val="0"/>
-                <a:alphaOff val="0"/>
-                <a:tint val="50000"/>
-                <a:shade val="100000"/>
-                <a:satMod val="350000"/>
-              </a:schemeClr>
-            </a:gs>
-          </a:gsLst>
-          <a:lin ang="16200000" scaled="0"/>
-        </a:gradFill>
-        <a:ln>
-          <a:noFill/>
-        </a:ln>
-        <a:effectLst>
-          <a:outerShdw blurRad="40000" dist="23000" dir="5400000" rotWithShape="0">
-            <a:srgbClr val="000000">
-              <a:alpha val="35000"/>
-            </a:srgbClr>
-          </a:outerShdw>
-        </a:effectLst>
-      </dsp:spPr>
-      <dsp:style>
-        <a:lnRef idx="0">
-          <a:scrgbClr r="0" g="0" b="0"/>
-        </a:lnRef>
-        <a:fillRef idx="3">
-          <a:scrgbClr r="0" g="0" b="0"/>
-        </a:fillRef>
-        <a:effectRef idx="2">
-          <a:scrgbClr r="0" g="0" b="0"/>
-        </a:effectRef>
-        <a:fontRef idx="minor">
-          <a:schemeClr val="lt1"/>
-        </a:fontRef>
-      </dsp:style>
-    </dsp:sp>
-    <dsp:sp modelId="{608FE753-E2C5-2244-9F2D-FE7BB97D0DD0}">
-      <dsp:nvSpPr>
-        <dsp:cNvPr id="0" name=""/>
-        <dsp:cNvSpPr/>
-      </dsp:nvSpPr>
-      <dsp:spPr>
-        <a:xfrm>
-          <a:off x="5716920" y="1799865"/>
-          <a:ext cx="926231" cy="926231"/>
-        </a:xfrm>
-        <a:prstGeom prst="rect">
-          <a:avLst/>
-        </a:prstGeom>
-        <a:noFill/>
-        <a:ln>
-          <a:noFill/>
-        </a:ln>
-        <a:effectLst/>
-      </dsp:spPr>
-      <dsp:style>
-        <a:lnRef idx="0">
-          <a:scrgbClr r="0" g="0" b="0"/>
-        </a:lnRef>
-        <a:fillRef idx="0">
-          <a:scrgbClr r="0" g="0" b="0"/>
-        </a:fillRef>
-        <a:effectRef idx="0">
-          <a:scrgbClr r="0" g="0" b="0"/>
-        </a:effectRef>
-        <a:fontRef idx="minor"/>
-      </dsp:style>
-      <dsp:txBody>
-        <a:bodyPr spcFirstLastPara="0" vert="horz" wrap="square" lIns="38100" tIns="38100" rIns="38100" bIns="38100" numCol="1" spcCol="1270" anchor="ctr" anchorCtr="0">
-          <a:noAutofit/>
-        </a:bodyPr>
-        <a:lstStyle/>
-        <a:p>
-          <a:pPr lvl="0" algn="ctr" defTabSz="1333500">
-            <a:lnSpc>
-              <a:spcPct val="90000"/>
-            </a:lnSpc>
-            <a:spcBef>
-              <a:spcPct val="0"/>
-            </a:spcBef>
-            <a:spcAft>
-              <a:spcPct val="35000"/>
-            </a:spcAft>
-          </a:pPr>
-          <a:r>
-            <a:rPr lang="zh-TW" altLang="en-US" sz="3000" kern="1200" dirty="0" smtClean="0"/>
-            <a:t>持續監督</a:t>
-          </a:r>
-          <a:endParaRPr lang="zh-TW" altLang="en-US" sz="3000" kern="1200" dirty="0"/>
-        </a:p>
-      </dsp:txBody>
-      <dsp:txXfrm>
-        <a:off x="5716920" y="1799865"/>
-        <a:ext cx="926231" cy="926231"/>
-      </dsp:txXfrm>
-    </dsp:sp>
-    <dsp:sp modelId="{A6B76D08-4A48-C04E-828D-6366C156A1C8}">
-      <dsp:nvSpPr>
-        <dsp:cNvPr id="0" name=""/>
-        <dsp:cNvSpPr/>
-      </dsp:nvSpPr>
-      <dsp:spPr>
-        <a:xfrm>
-          <a:off x="1853897" y="2078"/>
-          <a:ext cx="4521805" cy="4521805"/>
-        </a:xfrm>
-        <a:prstGeom prst="circularArrow">
-          <a:avLst>
-            <a:gd name="adj1" fmla="val 3994"/>
-            <a:gd name="adj2" fmla="val 250596"/>
-            <a:gd name="adj3" fmla="val 2365047"/>
-            <a:gd name="adj4" fmla="val 777504"/>
-            <a:gd name="adj5" fmla="val 4660"/>
-          </a:avLst>
-        </a:prstGeom>
-        <a:gradFill rotWithShape="0">
-          <a:gsLst>
-            <a:gs pos="0">
-              <a:schemeClr val="accent1">
-                <a:hueOff val="0"/>
-                <a:satOff val="0"/>
-                <a:lumOff val="0"/>
-                <a:alphaOff val="0"/>
-                <a:tint val="100000"/>
-                <a:shade val="100000"/>
-                <a:satMod val="130000"/>
-              </a:schemeClr>
-            </a:gs>
-            <a:gs pos="100000">
-              <a:schemeClr val="accent1">
-                <a:hueOff val="0"/>
-                <a:satOff val="0"/>
-                <a:lumOff val="0"/>
-                <a:alphaOff val="0"/>
-                <a:tint val="50000"/>
-                <a:shade val="100000"/>
-                <a:satMod val="350000"/>
-              </a:schemeClr>
-            </a:gs>
-          </a:gsLst>
-          <a:lin ang="16200000" scaled="0"/>
-        </a:gradFill>
-        <a:ln>
-          <a:noFill/>
-        </a:ln>
-        <a:effectLst>
-          <a:outerShdw blurRad="40000" dist="23000" dir="5400000" rotWithShape="0">
-            <a:srgbClr val="000000">
-              <a:alpha val="35000"/>
-            </a:srgbClr>
-          </a:outerShdw>
-        </a:effectLst>
-      </dsp:spPr>
-      <dsp:style>
-        <a:lnRef idx="0">
-          <a:scrgbClr r="0" g="0" b="0"/>
-        </a:lnRef>
-        <a:fillRef idx="3">
-          <a:scrgbClr r="0" g="0" b="0"/>
-        </a:fillRef>
-        <a:effectRef idx="2">
-          <a:scrgbClr r="0" g="0" b="0"/>
-        </a:effectRef>
-        <a:fontRef idx="minor">
-          <a:schemeClr val="lt1"/>
-        </a:fontRef>
-      </dsp:style>
-    </dsp:sp>
-    <dsp:sp modelId="{50037D70-E9BA-124B-863F-F93AC6721A9B}">
-      <dsp:nvSpPr>
-        <dsp:cNvPr id="0" name=""/>
-        <dsp:cNvSpPr/>
-      </dsp:nvSpPr>
-      <dsp:spPr>
-        <a:xfrm>
-          <a:off x="4684302" y="3588412"/>
-          <a:ext cx="926231" cy="926231"/>
-        </a:xfrm>
-        <a:prstGeom prst="rect">
-          <a:avLst/>
-        </a:prstGeom>
-        <a:noFill/>
-        <a:ln>
-          <a:noFill/>
-        </a:ln>
-        <a:effectLst/>
-      </dsp:spPr>
-      <dsp:style>
-        <a:lnRef idx="0">
-          <a:scrgbClr r="0" g="0" b="0"/>
-        </a:lnRef>
-        <a:fillRef idx="0">
-          <a:scrgbClr r="0" g="0" b="0"/>
-        </a:fillRef>
-        <a:effectRef idx="0">
-          <a:scrgbClr r="0" g="0" b="0"/>
-        </a:effectRef>
-        <a:fontRef idx="minor"/>
-      </dsp:style>
-      <dsp:txBody>
-        <a:bodyPr spcFirstLastPara="0" vert="horz" wrap="square" lIns="38100" tIns="38100" rIns="38100" bIns="38100" numCol="1" spcCol="1270" anchor="ctr" anchorCtr="0">
-          <a:noAutofit/>
-        </a:bodyPr>
-        <a:lstStyle/>
-        <a:p>
-          <a:pPr lvl="0" algn="ctr" defTabSz="1333500">
-            <a:lnSpc>
-              <a:spcPct val="90000"/>
-            </a:lnSpc>
-            <a:spcBef>
-              <a:spcPct val="0"/>
-            </a:spcBef>
-            <a:spcAft>
-              <a:spcPct val="35000"/>
-            </a:spcAft>
-          </a:pPr>
-          <a:r>
-            <a:rPr lang="zh-TW" altLang="en-US" sz="3000" kern="1200" dirty="0" smtClean="0"/>
-            <a:t>審查</a:t>
-          </a:r>
-          <a:endParaRPr lang="zh-TW" altLang="en-US" sz="3000" kern="1200" dirty="0"/>
-        </a:p>
-      </dsp:txBody>
-      <dsp:txXfrm>
-        <a:off x="4684302" y="3588412"/>
-        <a:ext cx="926231" cy="926231"/>
-      </dsp:txXfrm>
-    </dsp:sp>
-    <dsp:sp modelId="{DA6842C8-2DBD-5148-B96E-7F5DA5C372C5}">
-      <dsp:nvSpPr>
-        <dsp:cNvPr id="0" name=""/>
-        <dsp:cNvSpPr/>
-      </dsp:nvSpPr>
-      <dsp:spPr>
-        <a:xfrm>
-          <a:off x="1853897" y="2078"/>
-          <a:ext cx="4521805" cy="4521805"/>
-        </a:xfrm>
-        <a:prstGeom prst="circularArrow">
-          <a:avLst>
-            <a:gd name="adj1" fmla="val 3994"/>
-            <a:gd name="adj2" fmla="val 250596"/>
-            <a:gd name="adj3" fmla="val 6109830"/>
-            <a:gd name="adj4" fmla="val 4439574"/>
-            <a:gd name="adj5" fmla="val 4660"/>
-          </a:avLst>
-        </a:prstGeom>
-        <a:gradFill rotWithShape="0">
-          <a:gsLst>
-            <a:gs pos="0">
-              <a:schemeClr val="accent1">
-                <a:hueOff val="0"/>
-                <a:satOff val="0"/>
-                <a:lumOff val="0"/>
-                <a:alphaOff val="0"/>
-                <a:tint val="100000"/>
-                <a:shade val="100000"/>
-                <a:satMod val="130000"/>
-              </a:schemeClr>
-            </a:gs>
-            <a:gs pos="100000">
-              <a:schemeClr val="accent1">
-                <a:hueOff val="0"/>
-                <a:satOff val="0"/>
-                <a:lumOff val="0"/>
-                <a:alphaOff val="0"/>
-                <a:tint val="50000"/>
-                <a:shade val="100000"/>
-                <a:satMod val="350000"/>
-              </a:schemeClr>
-            </a:gs>
-          </a:gsLst>
-          <a:lin ang="16200000" scaled="0"/>
-        </a:gradFill>
-        <a:ln>
-          <a:noFill/>
-        </a:ln>
-        <a:effectLst>
-          <a:outerShdw blurRad="40000" dist="23000" dir="5400000" rotWithShape="0">
-            <a:srgbClr val="000000">
-              <a:alpha val="35000"/>
-            </a:srgbClr>
-          </a:outerShdw>
-        </a:effectLst>
-      </dsp:spPr>
-      <dsp:style>
-        <a:lnRef idx="0">
-          <a:scrgbClr r="0" g="0" b="0"/>
-        </a:lnRef>
-        <a:fillRef idx="3">
-          <a:scrgbClr r="0" g="0" b="0"/>
-        </a:fillRef>
-        <a:effectRef idx="2">
-          <a:scrgbClr r="0" g="0" b="0"/>
-        </a:effectRef>
-        <a:fontRef idx="minor">
-          <a:schemeClr val="lt1"/>
-        </a:fontRef>
-      </dsp:style>
-    </dsp:sp>
-    <dsp:sp modelId="{E7DBF0FA-50CA-EC48-AFB7-3075ED5531A4}">
-      <dsp:nvSpPr>
-        <dsp:cNvPr id="0" name=""/>
-        <dsp:cNvSpPr/>
-      </dsp:nvSpPr>
-      <dsp:spPr>
-        <a:xfrm>
-          <a:off x="2619065" y="3588412"/>
-          <a:ext cx="926231" cy="926231"/>
-        </a:xfrm>
-        <a:prstGeom prst="rect">
-          <a:avLst/>
-        </a:prstGeom>
-        <a:noFill/>
-        <a:ln>
-          <a:noFill/>
-        </a:ln>
-        <a:effectLst/>
-      </dsp:spPr>
-      <dsp:style>
-        <a:lnRef idx="0">
-          <a:scrgbClr r="0" g="0" b="0"/>
-        </a:lnRef>
-        <a:fillRef idx="0">
-          <a:scrgbClr r="0" g="0" b="0"/>
-        </a:fillRef>
-        <a:effectRef idx="0">
-          <a:scrgbClr r="0" g="0" b="0"/>
-        </a:effectRef>
-        <a:fontRef idx="minor"/>
-      </dsp:style>
-      <dsp:txBody>
-        <a:bodyPr spcFirstLastPara="0" vert="horz" wrap="square" lIns="38100" tIns="38100" rIns="38100" bIns="38100" numCol="1" spcCol="1270" anchor="ctr" anchorCtr="0">
-          <a:noAutofit/>
-        </a:bodyPr>
-        <a:lstStyle/>
-        <a:p>
-          <a:pPr lvl="0" algn="ctr" defTabSz="1333500">
-            <a:lnSpc>
-              <a:spcPct val="90000"/>
-            </a:lnSpc>
-            <a:spcBef>
-              <a:spcPct val="0"/>
-            </a:spcBef>
-            <a:spcAft>
-              <a:spcPct val="35000"/>
-            </a:spcAft>
-          </a:pPr>
-          <a:r>
-            <a:rPr lang="zh-TW" altLang="en-US" sz="3000" kern="1200" dirty="0" smtClean="0"/>
-            <a:t>變更管制</a:t>
-          </a:r>
-          <a:endParaRPr lang="zh-TW" altLang="en-US" sz="3000" kern="1200" dirty="0"/>
-        </a:p>
-      </dsp:txBody>
-      <dsp:txXfrm>
-        <a:off x="2619065" y="3588412"/>
-        <a:ext cx="926231" cy="926231"/>
-      </dsp:txXfrm>
-    </dsp:sp>
-    <dsp:sp modelId="{98B39ECB-CB9E-B94C-835C-5EB9324694E2}">
-      <dsp:nvSpPr>
-        <dsp:cNvPr id="0" name=""/>
-        <dsp:cNvSpPr/>
-      </dsp:nvSpPr>
-      <dsp:spPr>
-        <a:xfrm>
-          <a:off x="1853897" y="2078"/>
-          <a:ext cx="4521805" cy="4521805"/>
-        </a:xfrm>
-        <a:prstGeom prst="circularArrow">
-          <a:avLst>
-            <a:gd name="adj1" fmla="val 3994"/>
-            <a:gd name="adj2" fmla="val 250596"/>
-            <a:gd name="adj3" fmla="val 9771900"/>
-            <a:gd name="adj4" fmla="val 8184357"/>
-            <a:gd name="adj5" fmla="val 4660"/>
-          </a:avLst>
-        </a:prstGeom>
-        <a:gradFill rotWithShape="0">
-          <a:gsLst>
-            <a:gs pos="0">
-              <a:schemeClr val="accent1">
-                <a:hueOff val="0"/>
-                <a:satOff val="0"/>
-                <a:lumOff val="0"/>
-                <a:alphaOff val="0"/>
-                <a:tint val="100000"/>
-                <a:shade val="100000"/>
-                <a:satMod val="130000"/>
-              </a:schemeClr>
-            </a:gs>
-            <a:gs pos="100000">
-              <a:schemeClr val="accent1">
-                <a:hueOff val="0"/>
-                <a:satOff val="0"/>
-                <a:lumOff val="0"/>
-                <a:alphaOff val="0"/>
-                <a:tint val="50000"/>
-                <a:shade val="100000"/>
-                <a:satMod val="350000"/>
-              </a:schemeClr>
-            </a:gs>
-          </a:gsLst>
-          <a:lin ang="16200000" scaled="0"/>
-        </a:gradFill>
-        <a:ln>
-          <a:noFill/>
-        </a:ln>
-        <a:effectLst>
-          <a:outerShdw blurRad="40000" dist="23000" dir="5400000" rotWithShape="0">
-            <a:srgbClr val="000000">
-              <a:alpha val="35000"/>
-            </a:srgbClr>
-          </a:outerShdw>
-        </a:effectLst>
-      </dsp:spPr>
-      <dsp:style>
-        <a:lnRef idx="0">
-          <a:scrgbClr r="0" g="0" b="0"/>
-        </a:lnRef>
-        <a:fillRef idx="3">
-          <a:scrgbClr r="0" g="0" b="0"/>
-        </a:fillRef>
-        <a:effectRef idx="2">
-          <a:scrgbClr r="0" g="0" b="0"/>
-        </a:effectRef>
-        <a:fontRef idx="minor">
-          <a:schemeClr val="lt1"/>
-        </a:fontRef>
-      </dsp:style>
-    </dsp:sp>
-    <dsp:sp modelId="{BD9B5A32-983B-7C46-97BF-87812982BB62}">
-      <dsp:nvSpPr>
-        <dsp:cNvPr id="0" name=""/>
-        <dsp:cNvSpPr/>
-      </dsp:nvSpPr>
-      <dsp:spPr>
-        <a:xfrm>
-          <a:off x="1586447" y="1799865"/>
-          <a:ext cx="926231" cy="926231"/>
-        </a:xfrm>
-        <a:prstGeom prst="rect">
-          <a:avLst/>
-        </a:prstGeom>
-        <a:noFill/>
-        <a:ln>
-          <a:noFill/>
-        </a:ln>
-        <a:effectLst/>
-      </dsp:spPr>
-      <dsp:style>
-        <a:lnRef idx="0">
-          <a:scrgbClr r="0" g="0" b="0"/>
-        </a:lnRef>
-        <a:fillRef idx="0">
-          <a:scrgbClr r="0" g="0" b="0"/>
-        </a:fillRef>
-        <a:effectRef idx="0">
-          <a:scrgbClr r="0" g="0" b="0"/>
-        </a:effectRef>
-        <a:fontRef idx="minor"/>
-      </dsp:style>
-      <dsp:txBody>
-        <a:bodyPr spcFirstLastPara="0" vert="horz" wrap="square" lIns="38100" tIns="38100" rIns="38100" bIns="38100" numCol="1" spcCol="1270" anchor="ctr" anchorCtr="0">
-          <a:noAutofit/>
-        </a:bodyPr>
-        <a:lstStyle/>
-        <a:p>
-          <a:pPr lvl="0" algn="ctr" defTabSz="1333500">
-            <a:lnSpc>
-              <a:spcPct val="90000"/>
-            </a:lnSpc>
-            <a:spcBef>
-              <a:spcPct val="0"/>
-            </a:spcBef>
-            <a:spcAft>
-              <a:spcPct val="35000"/>
-            </a:spcAft>
-          </a:pPr>
-          <a:r>
-            <a:rPr lang="zh-TW" altLang="en-US" sz="3000" kern="1200" dirty="0" smtClean="0"/>
-            <a:t>記錄保存</a:t>
-          </a:r>
-          <a:endParaRPr lang="zh-TW" altLang="en-US" sz="3000" kern="1200" dirty="0"/>
-        </a:p>
-      </dsp:txBody>
-      <dsp:txXfrm>
-        <a:off x="1586447" y="1799865"/>
-        <a:ext cx="926231" cy="926231"/>
-      </dsp:txXfrm>
-    </dsp:sp>
-    <dsp:sp modelId="{4C8B30BE-88BE-D243-B76D-9A60C349D0E4}">
-      <dsp:nvSpPr>
-        <dsp:cNvPr id="0" name=""/>
-        <dsp:cNvSpPr/>
-      </dsp:nvSpPr>
-      <dsp:spPr>
-        <a:xfrm>
-          <a:off x="1853897" y="2078"/>
-          <a:ext cx="4521805" cy="4521805"/>
-        </a:xfrm>
-        <a:prstGeom prst="circularArrow">
-          <a:avLst>
-            <a:gd name="adj1" fmla="val 3994"/>
-            <a:gd name="adj2" fmla="val 250596"/>
-            <a:gd name="adj3" fmla="val 13165047"/>
-            <a:gd name="adj4" fmla="val 11577504"/>
-            <a:gd name="adj5" fmla="val 4660"/>
-          </a:avLst>
-        </a:prstGeom>
-        <a:gradFill rotWithShape="0">
-          <a:gsLst>
-            <a:gs pos="0">
-              <a:schemeClr val="accent1">
-                <a:hueOff val="0"/>
-                <a:satOff val="0"/>
-                <a:lumOff val="0"/>
-                <a:alphaOff val="0"/>
-                <a:tint val="100000"/>
-                <a:shade val="100000"/>
-                <a:satMod val="130000"/>
-              </a:schemeClr>
-            </a:gs>
-            <a:gs pos="100000">
-              <a:schemeClr val="accent1">
-                <a:hueOff val="0"/>
-                <a:satOff val="0"/>
-                <a:lumOff val="0"/>
-                <a:alphaOff val="0"/>
-                <a:tint val="50000"/>
-                <a:shade val="100000"/>
-                <a:satMod val="350000"/>
-              </a:schemeClr>
-            </a:gs>
-          </a:gsLst>
-          <a:lin ang="16200000" scaled="0"/>
-        </a:gradFill>
-        <a:ln>
-          <a:noFill/>
-        </a:ln>
-        <a:effectLst>
-          <a:outerShdw blurRad="40000" dist="23000" dir="5400000" rotWithShape="0">
-            <a:srgbClr val="000000">
-              <a:alpha val="35000"/>
-            </a:srgbClr>
-          </a:outerShdw>
-        </a:effectLst>
-      </dsp:spPr>
-      <dsp:style>
-        <a:lnRef idx="0">
-          <a:scrgbClr r="0" g="0" b="0"/>
-        </a:lnRef>
-        <a:fillRef idx="3">
-          <a:scrgbClr r="0" g="0" b="0"/>
-        </a:fillRef>
-        <a:effectRef idx="2">
-          <a:scrgbClr r="0" g="0" b="0"/>
-        </a:effectRef>
-        <a:fontRef idx="minor">
-          <a:schemeClr val="lt1"/>
-        </a:fontRef>
-      </dsp:style>
-    </dsp:sp>
-    <dsp:sp modelId="{0AB69D7B-D98F-7041-B527-B18EA4A34125}">
-      <dsp:nvSpPr>
-        <dsp:cNvPr id="0" name=""/>
-        <dsp:cNvSpPr/>
-      </dsp:nvSpPr>
-      <dsp:spPr>
-        <a:xfrm>
-          <a:off x="2619065" y="11318"/>
-          <a:ext cx="926231" cy="926231"/>
-        </a:xfrm>
-        <a:prstGeom prst="rect">
-          <a:avLst/>
-        </a:prstGeom>
-        <a:noFill/>
-        <a:ln>
-          <a:noFill/>
-        </a:ln>
-        <a:effectLst/>
-      </dsp:spPr>
-      <dsp:style>
-        <a:lnRef idx="0">
-          <a:scrgbClr r="0" g="0" b="0"/>
-        </a:lnRef>
-        <a:fillRef idx="0">
-          <a:scrgbClr r="0" g="0" b="0"/>
-        </a:fillRef>
-        <a:effectRef idx="0">
-          <a:scrgbClr r="0" g="0" b="0"/>
-        </a:effectRef>
-        <a:fontRef idx="minor"/>
-      </dsp:style>
-      <dsp:txBody>
-        <a:bodyPr spcFirstLastPara="0" vert="horz" wrap="square" lIns="38100" tIns="38100" rIns="38100" bIns="38100" numCol="1" spcCol="1270" anchor="ctr" anchorCtr="0">
-          <a:noAutofit/>
-        </a:bodyPr>
-        <a:lstStyle/>
-        <a:p>
-          <a:pPr lvl="0" algn="ctr" defTabSz="1333500">
-            <a:lnSpc>
-              <a:spcPct val="90000"/>
-            </a:lnSpc>
-            <a:spcBef>
-              <a:spcPct val="0"/>
-            </a:spcBef>
-            <a:spcAft>
-              <a:spcPct val="35000"/>
-            </a:spcAft>
-          </a:pPr>
-          <a:r>
-            <a:rPr lang="zh-TW" altLang="en-US" sz="3000" kern="1200" dirty="0" smtClean="0"/>
-            <a:t>建立計畫</a:t>
-          </a:r>
-          <a:endParaRPr lang="zh-TW" altLang="en-US" sz="3000" kern="1200" dirty="0"/>
-        </a:p>
-      </dsp:txBody>
-      <dsp:txXfrm>
-        <a:off x="2619065" y="11318"/>
-        <a:ext cx="926231" cy="926231"/>
-      </dsp:txXfrm>
-    </dsp:sp>
-    <dsp:sp modelId="{F0461D2B-600B-064A-BDDB-A0D8ECECD5AE}">
-      <dsp:nvSpPr>
-        <dsp:cNvPr id="0" name=""/>
-        <dsp:cNvSpPr/>
-      </dsp:nvSpPr>
-      <dsp:spPr>
-        <a:xfrm>
-          <a:off x="1853897" y="2078"/>
-          <a:ext cx="4521805" cy="4521805"/>
-        </a:xfrm>
-        <a:prstGeom prst="circularArrow">
-          <a:avLst>
-            <a:gd name="adj1" fmla="val 3994"/>
-            <a:gd name="adj2" fmla="val 250596"/>
-            <a:gd name="adj3" fmla="val 16909830"/>
-            <a:gd name="adj4" fmla="val 15239574"/>
-            <a:gd name="adj5" fmla="val 4660"/>
-          </a:avLst>
-        </a:prstGeom>
-        <a:gradFill rotWithShape="0">
-          <a:gsLst>
-            <a:gs pos="0">
-              <a:schemeClr val="accent1">
-                <a:hueOff val="0"/>
-                <a:satOff val="0"/>
-                <a:lumOff val="0"/>
-                <a:alphaOff val="0"/>
-                <a:tint val="100000"/>
-                <a:shade val="100000"/>
-                <a:satMod val="130000"/>
-              </a:schemeClr>
-            </a:gs>
-            <a:gs pos="100000">
-              <a:schemeClr val="accent1">
-                <a:hueOff val="0"/>
-                <a:satOff val="0"/>
-                <a:lumOff val="0"/>
-                <a:alphaOff val="0"/>
-                <a:tint val="50000"/>
-                <a:shade val="100000"/>
-                <a:satMod val="350000"/>
-              </a:schemeClr>
-            </a:gs>
-          </a:gsLst>
-          <a:lin ang="16200000" scaled="0"/>
-        </a:gradFill>
-        <a:ln>
-          <a:noFill/>
-        </a:ln>
-        <a:effectLst>
-          <a:outerShdw blurRad="40000" dist="23000" dir="5400000" rotWithShape="0">
-            <a:srgbClr val="000000">
-              <a:alpha val="35000"/>
-            </a:srgbClr>
-          </a:outerShdw>
-        </a:effectLst>
-      </dsp:spPr>
-      <dsp:style>
-        <a:lnRef idx="0">
-          <a:scrgbClr r="0" g="0" b="0"/>
-        </a:lnRef>
-        <a:fillRef idx="3">
-          <a:scrgbClr r="0" g="0" b="0"/>
-        </a:fillRef>
-        <a:effectRef idx="2">
-          <a:scrgbClr r="0" g="0" b="0"/>
-        </a:effectRef>
-        <a:fontRef idx="minor">
-          <a:schemeClr val="lt1"/>
-        </a:fontRef>
-      </dsp:style>
-    </dsp:sp>
   </dsp:spTree>
 </dsp:drawing>
 </file>
@@ -8394,7 +7603,7 @@
           <a:p>
             <a:fld id="{946B17BA-8B91-BE4A-BA9C-9BABD6555478}" type="datetimeFigureOut">
               <a:rPr kumimoji="1" lang="zh-TW" altLang="en-US" smtClean="0"/>
-              <a:t>2016/7/5</a:t>
+              <a:t>2016/7/7</a:t>
             </a:fld>
             <a:endParaRPr kumimoji="1" lang="zh-TW" altLang="en-US"/>
           </a:p>
@@ -9157,7 +8366,7 @@
           <a:p>
             <a:fld id="{BBEE2429-397B-3C43-A6B8-A41371BC4FCD}" type="datetimeFigureOut">
               <a:rPr kumimoji="1" lang="zh-TW" altLang="en-US" smtClean="0"/>
-              <a:t>2016/7/5</a:t>
+              <a:t>2016/7/7</a:t>
             </a:fld>
             <a:endParaRPr kumimoji="1" lang="zh-TW" altLang="en-US"/>
           </a:p>
@@ -9327,7 +8536,7 @@
           <a:p>
             <a:fld id="{BBEE2429-397B-3C43-A6B8-A41371BC4FCD}" type="datetimeFigureOut">
               <a:rPr kumimoji="1" lang="zh-TW" altLang="en-US" smtClean="0"/>
-              <a:t>2016/7/5</a:t>
+              <a:t>2016/7/7</a:t>
             </a:fld>
             <a:endParaRPr kumimoji="1" lang="zh-TW" altLang="en-US"/>
           </a:p>
@@ -9507,7 +8716,7 @@
           <a:p>
             <a:fld id="{BBEE2429-397B-3C43-A6B8-A41371BC4FCD}" type="datetimeFigureOut">
               <a:rPr kumimoji="1" lang="zh-TW" altLang="en-US" smtClean="0"/>
-              <a:t>2016/7/5</a:t>
+              <a:t>2016/7/7</a:t>
             </a:fld>
             <a:endParaRPr kumimoji="1" lang="zh-TW" altLang="en-US"/>
           </a:p>
@@ -9677,7 +8886,7 @@
           <a:p>
             <a:fld id="{BBEE2429-397B-3C43-A6B8-A41371BC4FCD}" type="datetimeFigureOut">
               <a:rPr kumimoji="1" lang="zh-TW" altLang="en-US" smtClean="0"/>
-              <a:t>2016/7/5</a:t>
+              <a:t>2016/7/7</a:t>
             </a:fld>
             <a:endParaRPr kumimoji="1" lang="zh-TW" altLang="en-US"/>
           </a:p>
@@ -9923,7 +9132,7 @@
           <a:p>
             <a:fld id="{BBEE2429-397B-3C43-A6B8-A41371BC4FCD}" type="datetimeFigureOut">
               <a:rPr kumimoji="1" lang="zh-TW" altLang="en-US" smtClean="0"/>
-              <a:t>2016/7/5</a:t>
+              <a:t>2016/7/7</a:t>
             </a:fld>
             <a:endParaRPr kumimoji="1" lang="zh-TW" altLang="en-US"/>
           </a:p>
@@ -10211,7 +9420,7 @@
           <a:p>
             <a:fld id="{BBEE2429-397B-3C43-A6B8-A41371BC4FCD}" type="datetimeFigureOut">
               <a:rPr kumimoji="1" lang="zh-TW" altLang="en-US" smtClean="0"/>
-              <a:t>2016/7/5</a:t>
+              <a:t>2016/7/7</a:t>
             </a:fld>
             <a:endParaRPr kumimoji="1" lang="zh-TW" altLang="en-US"/>
           </a:p>
@@ -10633,7 +9842,7 @@
           <a:p>
             <a:fld id="{BBEE2429-397B-3C43-A6B8-A41371BC4FCD}" type="datetimeFigureOut">
               <a:rPr kumimoji="1" lang="zh-TW" altLang="en-US" smtClean="0"/>
-              <a:t>2016/7/5</a:t>
+              <a:t>2016/7/7</a:t>
             </a:fld>
             <a:endParaRPr kumimoji="1" lang="zh-TW" altLang="en-US"/>
           </a:p>
@@ -10751,7 +9960,7 @@
           <a:p>
             <a:fld id="{BBEE2429-397B-3C43-A6B8-A41371BC4FCD}" type="datetimeFigureOut">
               <a:rPr kumimoji="1" lang="zh-TW" altLang="en-US" smtClean="0"/>
-              <a:t>2016/7/5</a:t>
+              <a:t>2016/7/7</a:t>
             </a:fld>
             <a:endParaRPr kumimoji="1" lang="zh-TW" altLang="en-US"/>
           </a:p>
@@ -10846,7 +10055,7 @@
           <a:p>
             <a:fld id="{BBEE2429-397B-3C43-A6B8-A41371BC4FCD}" type="datetimeFigureOut">
               <a:rPr kumimoji="1" lang="zh-TW" altLang="en-US" smtClean="0"/>
-              <a:t>2016/7/5</a:t>
+              <a:t>2016/7/7</a:t>
             </a:fld>
             <a:endParaRPr kumimoji="1" lang="zh-TW" altLang="en-US"/>
           </a:p>
@@ -11123,7 +10332,7 @@
           <a:p>
             <a:fld id="{BBEE2429-397B-3C43-A6B8-A41371BC4FCD}" type="datetimeFigureOut">
               <a:rPr kumimoji="1" lang="zh-TW" altLang="en-US" smtClean="0"/>
-              <a:t>2016/7/5</a:t>
+              <a:t>2016/7/7</a:t>
             </a:fld>
             <a:endParaRPr kumimoji="1" lang="zh-TW" altLang="en-US"/>
           </a:p>
@@ -11376,7 +10585,7 @@
           <a:p>
             <a:fld id="{BBEE2429-397B-3C43-A6B8-A41371BC4FCD}" type="datetimeFigureOut">
               <a:rPr kumimoji="1" lang="zh-TW" altLang="en-US" smtClean="0"/>
-              <a:t>2016/7/5</a:t>
+              <a:t>2016/7/7</a:t>
             </a:fld>
             <a:endParaRPr kumimoji="1" lang="zh-TW" altLang="en-US"/>
           </a:p>
@@ -11589,7 +10798,7 @@
           <a:p>
             <a:fld id="{BBEE2429-397B-3C43-A6B8-A41371BC4FCD}" type="datetimeFigureOut">
               <a:rPr kumimoji="1" lang="zh-TW" altLang="en-US" smtClean="0"/>
-              <a:t>2016/7/5</a:t>
+              <a:t>2016/7/7</a:t>
             </a:fld>
             <a:endParaRPr kumimoji="1" lang="zh-TW" altLang="en-US"/>
           </a:p>
@@ -12019,7 +11228,7 @@
   <p:timing>
     <p:tnLst>
       <p:par>
-        <p:cTn xmlns:p14="http://schemas.microsoft.com/office/powerpoint/2010/main" id="1" dur="indefinite" restart="never" nodeType="tmRoot"/>
+        <p:cTn id="1" dur="indefinite" restart="never" nodeType="tmRoot"/>
       </p:par>
     </p:tnLst>
   </p:timing>
@@ -12571,7 +11780,7 @@
   <p:timing>
     <p:tnLst>
       <p:par>
-        <p:cTn xmlns:p14="http://schemas.microsoft.com/office/powerpoint/2010/main" id="1" dur="indefinite" restart="never" nodeType="tmRoot"/>
+        <p:cTn id="1" dur="indefinite" restart="never" nodeType="tmRoot"/>
       </p:par>
     </p:tnLst>
   </p:timing>
@@ -12759,7 +11968,7 @@
   <p:timing>
     <p:tnLst>
       <p:par>
-        <p:cTn xmlns:p14="http://schemas.microsoft.com/office/powerpoint/2010/main" id="1" dur="indefinite" restart="never" nodeType="tmRoot"/>
+        <p:cTn id="1" dur="indefinite" restart="never" nodeType="tmRoot"/>
       </p:par>
     </p:tnLst>
   </p:timing>
@@ -14569,6 +13778,13 @@
   <p:clrMapOvr>
     <a:masterClrMapping/>
   </p:clrMapOvr>
+  <p:timing>
+    <p:tnLst>
+      <p:par>
+        <p:cTn id="1" dur="indefinite" restart="never" nodeType="tmRoot"/>
+      </p:par>
+    </p:tnLst>
+  </p:timing>
 </p:sld>
 </file>
 
@@ -14770,6 +13986,13 @@
   <p:clrMapOvr>
     <a:masterClrMapping/>
   </p:clrMapOvr>
+  <p:timing>
+    <p:tnLst>
+      <p:par>
+        <p:cTn id="1" dur="indefinite" restart="never" nodeType="tmRoot"/>
+      </p:par>
+    </p:tnLst>
+  </p:timing>
 </p:sld>
 </file>
 
@@ -14857,6 +14080,13 @@
   <p:clrMapOvr>
     <a:masterClrMapping/>
   </p:clrMapOvr>
+  <p:timing>
+    <p:tnLst>
+      <p:par>
+        <p:cTn id="1" dur="indefinite" restart="never" nodeType="tmRoot"/>
+      </p:par>
+    </p:tnLst>
+  </p:timing>
 </p:sld>
 </file>
 
@@ -14999,6 +14229,13 @@
   <p:clrMapOvr>
     <a:masterClrMapping/>
   </p:clrMapOvr>
+  <p:timing>
+    <p:tnLst>
+      <p:par>
+        <p:cTn id="1" dur="indefinite" restart="never" nodeType="tmRoot"/>
+      </p:par>
+    </p:tnLst>
+  </p:timing>
 </p:sld>
 </file>
 
@@ -15031,21 +14268,10 @@
         </p:nvSpPr>
         <p:spPr/>
         <p:txBody>
-          <a:bodyPr>
-            <a:normAutofit/>
-          </a:bodyPr>
+          <a:bodyPr/>
           <a:lstStyle/>
           <a:p>
-            <a:pPr lvl="1" algn="ctr" defTabSz="457200" rtl="0">
-              <a:spcBef>
-                <a:spcPct val="0"/>
-              </a:spcBef>
-            </a:pPr>
-            <a:r>
-              <a:rPr kumimoji="1" lang="zh-TW" altLang="en-US" sz="4400" dirty="0" smtClean="0"/>
-              <a:t>資安縱深防禦架構</a:t>
-            </a:r>
-            <a:endParaRPr kumimoji="1" lang="zh-TW" altLang="en-US" sz="4400" dirty="0"/>
+            <a:endParaRPr lang="zh-TW" altLang="en-US"/>
           </a:p>
         </p:txBody>
       </p:sp>
@@ -15061,17 +14287,130 @@
         </p:nvSpPr>
         <p:spPr/>
         <p:txBody>
-          <a:bodyPr/>
+          <a:bodyPr>
+            <a:normAutofit fontScale="85000" lnSpcReduction="20000"/>
+          </a:bodyPr>
           <a:lstStyle/>
           <a:p>
-            <a:endParaRPr kumimoji="1" lang="zh-TW" altLang="en-US"/>
+            <a:r>
+              <a:rPr lang="zh-TW" altLang="en-US" dirty="0" smtClean="0"/>
+              <a:t>為要將辨識過程的結果文件化，持照者應該要蒐集以下資料</a:t>
+            </a:r>
+            <a:endParaRPr lang="en-US" altLang="zh-TW" dirty="0" smtClean="0"/>
+          </a:p>
+          <a:p>
+            <a:pPr lvl="1"/>
+            <a:r>
+              <a:rPr lang="zh-TW" altLang="en-US" dirty="0" smtClean="0"/>
+              <a:t>辨識為關鍵數位資產及關鍵系統之基本描述</a:t>
+            </a:r>
+            <a:endParaRPr lang="en-US" altLang="zh-TW" dirty="0" smtClean="0"/>
+          </a:p>
+          <a:p>
+            <a:pPr lvl="1"/>
+            <a:r>
+              <a:rPr lang="zh-TW" altLang="en-US" dirty="0"/>
+              <a:t>關鍵數位資產及關鍵</a:t>
+            </a:r>
+            <a:r>
+              <a:rPr lang="zh-TW" altLang="en-US" dirty="0" smtClean="0"/>
+              <a:t>系統之功能描述</a:t>
+            </a:r>
+            <a:endParaRPr lang="en-US" altLang="zh-TW" dirty="0" smtClean="0"/>
+          </a:p>
+          <a:p>
+            <a:pPr lvl="1"/>
+            <a:r>
+              <a:rPr lang="zh-TW" altLang="en-US" dirty="0" smtClean="0"/>
+              <a:t>當</a:t>
+            </a:r>
+            <a:r>
+              <a:rPr lang="zh-TW" altLang="en-US" dirty="0"/>
+              <a:t>關鍵數位資產及關鍵</a:t>
+            </a:r>
+            <a:r>
+              <a:rPr lang="zh-TW" altLang="en-US" dirty="0" smtClean="0"/>
+              <a:t>系統失常時，對關鍵系統及</a:t>
+            </a:r>
+            <a:r>
+              <a:rPr lang="en-US" altLang="zh-TW" dirty="0" smtClean="0"/>
+              <a:t>SSEP</a:t>
+            </a:r>
+            <a:r>
+              <a:rPr lang="zh-TW" altLang="en-US" dirty="0" smtClean="0"/>
+              <a:t>功能可能的影響結果分析</a:t>
+            </a:r>
+            <a:endParaRPr lang="en-US" altLang="zh-TW" dirty="0" smtClean="0"/>
+          </a:p>
+          <a:p>
+            <a:pPr lvl="1"/>
+            <a:r>
+              <a:rPr lang="zh-TW" altLang="en-US" dirty="0"/>
+              <a:t>關鍵數位</a:t>
+            </a:r>
+            <a:r>
+              <a:rPr lang="zh-TW" altLang="en-US" dirty="0" smtClean="0"/>
+              <a:t>資產的功能</a:t>
+            </a:r>
+            <a:r>
+              <a:rPr lang="en-US" altLang="zh-TW" dirty="0" smtClean="0"/>
+              <a:t>(</a:t>
+            </a:r>
+            <a:r>
+              <a:rPr lang="zh-TW" altLang="en-US" dirty="0" smtClean="0"/>
+              <a:t>例如，保護、控制、監督、回報、通訊</a:t>
+            </a:r>
+            <a:r>
+              <a:rPr lang="en-US" altLang="zh-TW" dirty="0" smtClean="0"/>
+              <a:t>)</a:t>
+            </a:r>
+          </a:p>
+          <a:p>
+            <a:pPr lvl="1"/>
+            <a:r>
+              <a:rPr lang="zh-TW" altLang="en-US" dirty="0" smtClean="0"/>
+              <a:t>每個關鍵系統中</a:t>
+            </a:r>
+            <a:r>
+              <a:rPr lang="zh-TW" altLang="en-US" dirty="0"/>
+              <a:t>關鍵數位</a:t>
+            </a:r>
+            <a:r>
+              <a:rPr lang="zh-TW" altLang="en-US" dirty="0" smtClean="0"/>
+              <a:t>資產的辨識</a:t>
+            </a:r>
+            <a:endParaRPr lang="en-US" altLang="zh-TW" dirty="0" smtClean="0"/>
+          </a:p>
+          <a:p>
+            <a:pPr lvl="1"/>
+            <a:r>
+              <a:rPr lang="zh-TW" altLang="en-US" dirty="0" smtClean="0"/>
+              <a:t>下列安全性功能與規格的描述</a:t>
+            </a:r>
+            <a:endParaRPr lang="en-US" altLang="zh-TW" dirty="0" smtClean="0"/>
+          </a:p>
+          <a:p>
+            <a:pPr lvl="2"/>
+            <a:r>
+              <a:rPr lang="zh-TW" altLang="en-US" dirty="0" smtClean="0"/>
+              <a:t>開發與評估相關確認需求</a:t>
+            </a:r>
+            <a:endParaRPr lang="en-US" altLang="zh-TW" dirty="0" smtClean="0"/>
+          </a:p>
+          <a:p>
+            <a:pPr lvl="2"/>
+            <a:r>
+              <a:rPr lang="zh-TW" altLang="en-US" dirty="0" smtClean="0"/>
+              <a:t>銷售商或開發商需要之資訊安全需求以維護獲得系統的整體性</a:t>
+            </a:r>
+            <a:endParaRPr lang="zh-TW" altLang="en-US" dirty="0"/>
           </a:p>
         </p:txBody>
       </p:sp>
     </p:spTree>
     <p:extLst>
       <p:ext uri="{BB962C8B-B14F-4D97-AF65-F5344CB8AC3E}">
-        <p14:creationId xmlns:p14="http://schemas.microsoft.com/office/powerpoint/2010/main" val="1318227832"/>
+        <p14:creationId xmlns:p14="http://schemas.microsoft.com/office/powerpoint/2010/main" val="3613737603"/>
       </p:ext>
     </p:extLst>
   </p:cSld>
@@ -15081,7 +14420,7 @@
   <p:timing>
     <p:tnLst>
       <p:par>
-        <p:cTn xmlns:p14="http://schemas.microsoft.com/office/powerpoint/2010/main" id="1" dur="indefinite" restart="never" nodeType="tmRoot"/>
+        <p:cTn id="1" dur="indefinite" restart="never" nodeType="tmRoot"/>
       </p:par>
     </p:tnLst>
   </p:timing>
@@ -15276,7 +14615,7 @@
             </a:pPr>
             <a:r>
               <a:rPr kumimoji="1" lang="zh-TW" altLang="en-US" sz="4400" dirty="0" smtClean="0"/>
-              <a:t>數位資產資安風險</a:t>
+              <a:t>資安縱深防禦架構</a:t>
             </a:r>
             <a:endParaRPr kumimoji="1" lang="zh-TW" altLang="en-US" sz="4400" dirty="0"/>
           </a:p>
@@ -15304,13 +14643,20 @@
     </p:spTree>
     <p:extLst>
       <p:ext uri="{BB962C8B-B14F-4D97-AF65-F5344CB8AC3E}">
-        <p14:creationId xmlns:p14="http://schemas.microsoft.com/office/powerpoint/2010/main" val="2829470016"/>
+        <p14:creationId xmlns:p14="http://schemas.microsoft.com/office/powerpoint/2010/main" val="1318227832"/>
       </p:ext>
     </p:extLst>
   </p:cSld>
   <p:clrMapOvr>
     <a:masterClrMapping/>
   </p:clrMapOvr>
+  <p:timing>
+    <p:tnLst>
+      <p:par>
+        <p:cTn id="1" dur="indefinite" restart="never" nodeType="tmRoot"/>
+      </p:par>
+    </p:tnLst>
+  </p:timing>
 </p:sld>
 </file>
 
@@ -15343,18 +14689,21 @@
         </p:nvSpPr>
         <p:spPr/>
         <p:txBody>
-          <a:bodyPr/>
+          <a:bodyPr>
+            <a:normAutofit/>
+          </a:bodyPr>
           <a:lstStyle/>
           <a:p>
-            <a:r>
-              <a:rPr kumimoji="1" lang="en-US" altLang="zh-TW" dirty="0" smtClean="0"/>
-              <a:t>RG 5.71</a:t>
-            </a:r>
-            <a:r>
-              <a:rPr kumimoji="1" lang="zh-TW" altLang="en-US" dirty="0" smtClean="0"/>
-              <a:t>附錄</a:t>
-            </a:r>
-            <a:endParaRPr kumimoji="1" lang="zh-TW" altLang="en-US" dirty="0"/>
+            <a:pPr lvl="1" algn="ctr" defTabSz="457200" rtl="0">
+              <a:spcBef>
+                <a:spcPct val="0"/>
+              </a:spcBef>
+            </a:pPr>
+            <a:r>
+              <a:rPr kumimoji="1" lang="zh-TW" altLang="en-US" sz="4400" dirty="0" smtClean="0"/>
+              <a:t>數位資產資安風險</a:t>
+            </a:r>
+            <a:endParaRPr kumimoji="1" lang="zh-TW" altLang="en-US" sz="4400" dirty="0"/>
           </a:p>
         </p:txBody>
       </p:sp>
@@ -15373,77 +14722,27 @@
           <a:bodyPr/>
           <a:lstStyle/>
           <a:p>
-            <a:r>
-              <a:rPr lang="en-US" altLang="zh-CHT" dirty="0"/>
-              <a:t>A</a:t>
-            </a:r>
-            <a:r>
-              <a:rPr lang="zh-CHT" altLang="en-US" dirty="0" smtClean="0">
-                <a:effectLst/>
-              </a:rPr>
-              <a:t>、通用網路安全計畫樣版 </a:t>
-            </a:r>
-            <a:r>
-              <a:rPr lang="en-US" altLang="zh-CHT" dirty="0"/>
-              <a:t>(Generic Cyber Security Plan Template</a:t>
-            </a:r>
-            <a:r>
-              <a:rPr lang="en-US" altLang="zh-CHT" dirty="0" smtClean="0"/>
-              <a:t>)</a:t>
-            </a:r>
-            <a:endParaRPr lang="en-US" altLang="zh-CHT" dirty="0"/>
-          </a:p>
-          <a:p>
-            <a:r>
-              <a:rPr lang="en-US" altLang="zh-TW" dirty="0"/>
-              <a:t>B</a:t>
-            </a:r>
-            <a:r>
-              <a:rPr lang="zh-TW" altLang="en-US" dirty="0" smtClean="0">
-                <a:effectLst/>
-              </a:rPr>
-              <a:t>、技術性安全控制</a:t>
-            </a:r>
-            <a:r>
-              <a:rPr lang="en-US" altLang="zh-TW" dirty="0" smtClean="0"/>
-              <a:t>(Technical  Security Controls)</a:t>
-            </a:r>
-          </a:p>
-          <a:p>
-            <a:r>
-              <a:rPr lang="en-US" altLang="zh-TW" dirty="0" smtClean="0"/>
-              <a:t>C</a:t>
-            </a:r>
-            <a:r>
-              <a:rPr lang="zh-TW" altLang="en-US" dirty="0" smtClean="0">
-                <a:effectLst/>
-              </a:rPr>
-              <a:t>、操作性與管理性安全控制 </a:t>
-            </a:r>
-            <a:r>
-              <a:rPr lang="en-US" altLang="zh-TW" dirty="0"/>
-              <a:t>(Operational and Management Security Controls) </a:t>
-            </a:r>
-            <a:endParaRPr lang="en-US" altLang="zh-TW" dirty="0" smtClean="0"/>
-          </a:p>
-          <a:p>
-            <a:endParaRPr lang="zh-CHT" altLang="en-US" dirty="0" smtClean="0"/>
-          </a:p>
-          <a:p>
-            <a:endParaRPr kumimoji="1" lang="zh-TW" altLang="en-US" dirty="0"/>
+            <a:endParaRPr kumimoji="1" lang="zh-TW" altLang="en-US"/>
           </a:p>
         </p:txBody>
       </p:sp>
     </p:spTree>
     <p:extLst>
       <p:ext uri="{BB962C8B-B14F-4D97-AF65-F5344CB8AC3E}">
-        <p14:creationId xmlns:p14="http://schemas.microsoft.com/office/powerpoint/2010/main" val="360279046"/>
+        <p14:creationId xmlns:p14="http://schemas.microsoft.com/office/powerpoint/2010/main" val="2829470016"/>
       </p:ext>
     </p:extLst>
   </p:cSld>
   <p:clrMapOvr>
     <a:masterClrMapping/>
   </p:clrMapOvr>
+  <p:timing>
+    <p:tnLst>
+      <p:par>
+        <p:cTn id="1" dur="indefinite" restart="never" nodeType="tmRoot"/>
+      </p:par>
+    </p:tnLst>
+  </p:timing>
 </p:sld>
 </file>
 
@@ -15476,21 +14775,18 @@
         </p:nvSpPr>
         <p:spPr/>
         <p:txBody>
-          <a:bodyPr>
-            <a:normAutofit/>
-          </a:bodyPr>
+          <a:bodyPr/>
           <a:lstStyle/>
           <a:p>
-            <a:pPr lvl="1" algn="ctr" defTabSz="457200" rtl="0">
-              <a:spcBef>
-                <a:spcPct val="0"/>
-              </a:spcBef>
-            </a:pPr>
-            <a:r>
-              <a:rPr kumimoji="1" lang="zh-TW" altLang="en-US" sz="4400" dirty="0" smtClean="0"/>
-              <a:t>資訊通信設施分析</a:t>
-            </a:r>
-            <a:endParaRPr kumimoji="1" lang="zh-TW" altLang="en-US" sz="4400" dirty="0"/>
+            <a:r>
+              <a:rPr kumimoji="1" lang="en-US" altLang="zh-TW" dirty="0" smtClean="0"/>
+              <a:t>RG 5.71</a:t>
+            </a:r>
+            <a:r>
+              <a:rPr kumimoji="1" lang="zh-TW" altLang="en-US" dirty="0" smtClean="0"/>
+              <a:t>附錄</a:t>
+            </a:r>
+            <a:endParaRPr kumimoji="1" lang="zh-TW" altLang="en-US" dirty="0"/>
           </a:p>
         </p:txBody>
       </p:sp>
@@ -15510,62 +14806,62 @@
           <a:lstStyle/>
           <a:p>
             <a:r>
-              <a:rPr kumimoji="1" lang="zh-TW" altLang="en-US" dirty="0" smtClean="0"/>
-              <a:t>資安評估與授權</a:t>
-            </a:r>
-            <a:endParaRPr kumimoji="1" lang="en-US" altLang="zh-TW" dirty="0" smtClean="0"/>
-          </a:p>
-          <a:p>
-            <a:r>
-              <a:rPr kumimoji="1" lang="zh-TW" altLang="en-US" dirty="0" smtClean="0"/>
-              <a:t>資安工作團隊角色與責任</a:t>
-            </a:r>
-            <a:endParaRPr kumimoji="1" lang="en-US" altLang="zh-TW" dirty="0" smtClean="0"/>
-          </a:p>
-          <a:p>
-            <a:pPr lvl="1"/>
-            <a:r>
-              <a:rPr kumimoji="1" lang="zh-TW" altLang="en-US" dirty="0" smtClean="0"/>
-              <a:t>資訊安全團隊</a:t>
-            </a:r>
-            <a:endParaRPr kumimoji="1" lang="en-US" altLang="zh-TW" dirty="0" smtClean="0"/>
-          </a:p>
-          <a:p>
-            <a:pPr lvl="1"/>
-            <a:r>
-              <a:rPr kumimoji="1" lang="zh-TW" altLang="en-US" dirty="0" smtClean="0"/>
-              <a:t>資安事件反應團隊</a:t>
-            </a:r>
-            <a:endParaRPr kumimoji="1" lang="en-US" altLang="zh-TW" dirty="0" smtClean="0"/>
-          </a:p>
-          <a:p>
-            <a:r>
-              <a:rPr kumimoji="1" lang="zh-TW" altLang="en-US" dirty="0" smtClean="0"/>
-              <a:t>關鍵數位資產辨識</a:t>
-            </a:r>
-            <a:endParaRPr kumimoji="1" lang="en-US" altLang="zh-TW" dirty="0" smtClean="0"/>
-          </a:p>
-          <a:p>
-            <a:pPr lvl="1"/>
-            <a:r>
-              <a:rPr kumimoji="1" lang="zh-TW" altLang="en-US" dirty="0" smtClean="0"/>
-              <a:t>資產分類</a:t>
-            </a:r>
-            <a:endParaRPr kumimoji="1" lang="en-US" altLang="zh-TW" dirty="0" smtClean="0"/>
-          </a:p>
-          <a:p>
-            <a:pPr lvl="1"/>
-            <a:r>
-              <a:rPr kumimoji="1" lang="zh-TW" altLang="en-US" dirty="0" smtClean="0"/>
-              <a:t>辨識評估流程</a:t>
-            </a:r>
-            <a:endParaRPr kumimoji="1" lang="en-US" altLang="zh-TW" dirty="0" smtClean="0"/>
-          </a:p>
-          <a:p>
-            <a:r>
-              <a:rPr kumimoji="1" lang="zh-TW" altLang="en-US" dirty="0" smtClean="0"/>
-              <a:t>關鍵數位資產確認</a:t>
-            </a:r>
+              <a:rPr lang="en-US" altLang="zh-Hant" dirty="0"/>
+              <a:t>A</a:t>
+            </a:r>
+            <a:r>
+              <a:rPr lang="zh-Hant" altLang="en-US" dirty="0" smtClean="0">
+                <a:effectLst/>
+              </a:rPr>
+              <a:t>、通用網路安全計畫樣版 </a:t>
+            </a:r>
+            <a:r>
+              <a:rPr lang="en-US" altLang="zh-Hant" dirty="0"/>
+              <a:t>(Generic Cyber Security Plan Template</a:t>
+            </a:r>
+            <a:r>
+              <a:rPr lang="en-US" altLang="zh-Hant" dirty="0" smtClean="0"/>
+              <a:t>)</a:t>
+            </a:r>
+            <a:endParaRPr lang="en-US" altLang="zh-Hant" dirty="0"/>
+          </a:p>
+          <a:p>
+            <a:r>
+              <a:rPr lang="en-US" altLang="zh-TW" dirty="0"/>
+              <a:t>B</a:t>
+            </a:r>
+            <a:r>
+              <a:rPr lang="zh-TW" altLang="en-US" dirty="0" smtClean="0">
+                <a:effectLst/>
+              </a:rPr>
+              <a:t>、技術性安全控制</a:t>
+            </a:r>
+            <a:r>
+              <a:rPr lang="en-US" altLang="zh-TW" dirty="0" smtClean="0"/>
+              <a:t>(Technical  Security Controls)</a:t>
+            </a:r>
+          </a:p>
+          <a:p>
+            <a:r>
+              <a:rPr lang="en-US" altLang="zh-TW" dirty="0" smtClean="0"/>
+              <a:t>C</a:t>
+            </a:r>
+            <a:r>
+              <a:rPr lang="zh-TW" altLang="en-US" dirty="0" smtClean="0">
+                <a:effectLst/>
+              </a:rPr>
+              <a:t>、操作性與管理性安全控制 </a:t>
+            </a:r>
+            <a:r>
+              <a:rPr lang="en-US" altLang="zh-TW" dirty="0"/>
+              <a:t>(Operational and Management Security Controls) </a:t>
+            </a:r>
+            <a:endParaRPr lang="en-US" altLang="zh-TW" dirty="0" smtClean="0"/>
+          </a:p>
+          <a:p>
+            <a:endParaRPr lang="zh-Hant" altLang="en-US" dirty="0" smtClean="0"/>
+          </a:p>
+          <a:p>
             <a:endParaRPr kumimoji="1" lang="zh-TW" altLang="en-US" dirty="0"/>
           </a:p>
         </p:txBody>
@@ -15573,13 +14869,20 @@
     </p:spTree>
     <p:extLst>
       <p:ext uri="{BB962C8B-B14F-4D97-AF65-F5344CB8AC3E}">
-        <p14:creationId xmlns:p14="http://schemas.microsoft.com/office/powerpoint/2010/main" val="2902546144"/>
+        <p14:creationId xmlns:p14="http://schemas.microsoft.com/office/powerpoint/2010/main" val="360279046"/>
       </p:ext>
     </p:extLst>
   </p:cSld>
   <p:clrMapOvr>
     <a:masterClrMapping/>
   </p:clrMapOvr>
+  <p:timing>
+    <p:tnLst>
+      <p:par>
+        <p:cTn id="1" dur="indefinite" restart="never" nodeType="tmRoot"/>
+      </p:par>
+    </p:tnLst>
+  </p:timing>
 </p:sld>
 </file>
 
@@ -15624,7 +14927,7 @@
             </a:pPr>
             <a:r>
               <a:rPr kumimoji="1" lang="zh-TW" altLang="en-US" sz="4400" dirty="0" smtClean="0"/>
-              <a:t>資安縱深防禦架構</a:t>
+              <a:t>資訊通信設施分析</a:t>
             </a:r>
             <a:endParaRPr kumimoji="1" lang="zh-TW" altLang="en-US" sz="4400" dirty="0"/>
           </a:p>
@@ -15647,7 +14950,60 @@
           <a:p>
             <a:r>
               <a:rPr kumimoji="1" lang="zh-TW" altLang="en-US" dirty="0" smtClean="0"/>
-              <a:t>資安防禦架構</a:t>
+              <a:t>資安評估與授權</a:t>
+            </a:r>
+            <a:endParaRPr kumimoji="1" lang="en-US" altLang="zh-TW" dirty="0" smtClean="0"/>
+          </a:p>
+          <a:p>
+            <a:r>
+              <a:rPr kumimoji="1" lang="zh-TW" altLang="en-US" dirty="0" smtClean="0"/>
+              <a:t>資安工作團隊角色與責任</a:t>
+            </a:r>
+            <a:endParaRPr kumimoji="1" lang="en-US" altLang="zh-TW" dirty="0" smtClean="0"/>
+          </a:p>
+          <a:p>
+            <a:pPr lvl="1"/>
+            <a:r>
+              <a:rPr kumimoji="1" lang="zh-TW" altLang="en-US" dirty="0" smtClean="0"/>
+              <a:t>資訊安全團隊</a:t>
+            </a:r>
+            <a:endParaRPr kumimoji="1" lang="en-US" altLang="zh-TW" dirty="0" smtClean="0"/>
+          </a:p>
+          <a:p>
+            <a:pPr lvl="1"/>
+            <a:r>
+              <a:rPr kumimoji="1" lang="zh-TW" altLang="en-US" dirty="0" smtClean="0"/>
+              <a:t>資安事件反應團隊</a:t>
+            </a:r>
+            <a:endParaRPr kumimoji="1" lang="en-US" altLang="zh-TW" dirty="0" smtClean="0"/>
+          </a:p>
+          <a:p>
+            <a:r>
+              <a:rPr kumimoji="1" lang="zh-TW" altLang="en-US" dirty="0" smtClean="0"/>
+              <a:t>關鍵數位資產辨識</a:t>
+            </a:r>
+            <a:endParaRPr kumimoji="1" lang="en-US" altLang="zh-TW" dirty="0" smtClean="0"/>
+          </a:p>
+          <a:p>
+            <a:pPr lvl="1"/>
+            <a:r>
+              <a:rPr kumimoji="1" lang="zh-TW" altLang="en-US" dirty="0" smtClean="0"/>
+              <a:t>資產分類</a:t>
+            </a:r>
+            <a:endParaRPr kumimoji="1" lang="en-US" altLang="zh-TW" dirty="0" smtClean="0"/>
+          </a:p>
+          <a:p>
+            <a:pPr lvl="1"/>
+            <a:r>
+              <a:rPr kumimoji="1" lang="zh-TW" altLang="en-US" dirty="0" smtClean="0"/>
+              <a:t>辨識評估流程</a:t>
+            </a:r>
+            <a:endParaRPr kumimoji="1" lang="en-US" altLang="zh-TW" dirty="0" smtClean="0"/>
+          </a:p>
+          <a:p>
+            <a:r>
+              <a:rPr kumimoji="1" lang="zh-TW" altLang="en-US" dirty="0" smtClean="0"/>
+              <a:t>關鍵數位資產確認</a:t>
             </a:r>
             <a:endParaRPr kumimoji="1" lang="zh-TW" altLang="en-US" dirty="0"/>
           </a:p>
@@ -15656,7 +15012,7 @@
     </p:spTree>
     <p:extLst>
       <p:ext uri="{BB962C8B-B14F-4D97-AF65-F5344CB8AC3E}">
-        <p14:creationId xmlns:p14="http://schemas.microsoft.com/office/powerpoint/2010/main" val="2665601971"/>
+        <p14:creationId xmlns:p14="http://schemas.microsoft.com/office/powerpoint/2010/main" val="2902546144"/>
       </p:ext>
     </p:extLst>
   </p:cSld>
@@ -15695,14 +15051,21 @@
         </p:nvSpPr>
         <p:spPr/>
         <p:txBody>
-          <a:bodyPr/>
+          <a:bodyPr>
+            <a:normAutofit/>
+          </a:bodyPr>
           <a:lstStyle/>
           <a:p>
-            <a:r>
-              <a:rPr kumimoji="1" lang="zh-TW" altLang="en-US" dirty="0" smtClean="0"/>
-              <a:t>資安管控措施</a:t>
-            </a:r>
-            <a:endParaRPr kumimoji="1" lang="zh-TW" altLang="en-US" dirty="0"/>
+            <a:pPr lvl="1" algn="ctr" defTabSz="457200" rtl="0">
+              <a:spcBef>
+                <a:spcPct val="0"/>
+              </a:spcBef>
+            </a:pPr>
+            <a:r>
+              <a:rPr kumimoji="1" lang="zh-TW" altLang="en-US" sz="4400" dirty="0" smtClean="0"/>
+              <a:t>資安縱深防禦架構</a:t>
+            </a:r>
+            <a:endParaRPr kumimoji="1" lang="zh-TW" altLang="en-US" sz="4400" dirty="0"/>
           </a:p>
         </p:txBody>
       </p:sp>
@@ -15723,51 +15086,7 @@
           <a:p>
             <a:r>
               <a:rPr kumimoji="1" lang="zh-TW" altLang="en-US" dirty="0" smtClean="0"/>
-              <a:t>技術管控措施</a:t>
-            </a:r>
-            <a:endParaRPr kumimoji="1" lang="en-US" altLang="zh-TW" dirty="0" smtClean="0"/>
-          </a:p>
-          <a:p>
-            <a:pPr lvl="1"/>
-            <a:r>
-              <a:rPr kumimoji="1" lang="zh-TW" altLang="en-US" dirty="0" smtClean="0"/>
-              <a:t>存取控制</a:t>
-            </a:r>
-            <a:endParaRPr kumimoji="1" lang="en-US" altLang="zh-TW" dirty="0" smtClean="0"/>
-          </a:p>
-          <a:p>
-            <a:pPr lvl="1"/>
-            <a:r>
-              <a:rPr kumimoji="1" lang="zh-TW" altLang="en-US" dirty="0" smtClean="0"/>
-              <a:t>監督與責任</a:t>
-            </a:r>
-            <a:endParaRPr kumimoji="1" lang="en-US" altLang="zh-TW" dirty="0" smtClean="0"/>
-          </a:p>
-          <a:p>
-            <a:pPr lvl="1"/>
-            <a:r>
-              <a:rPr kumimoji="1" lang="zh-TW" altLang="en-US" dirty="0" smtClean="0"/>
-              <a:t>系統與通信裝備防護</a:t>
-            </a:r>
-            <a:endParaRPr kumimoji="1" lang="en-US" altLang="zh-TW" dirty="0" smtClean="0"/>
-          </a:p>
-          <a:p>
-            <a:pPr lvl="1"/>
-            <a:r>
-              <a:rPr kumimoji="1" lang="zh-TW" altLang="en-US" dirty="0" smtClean="0"/>
-              <a:t>識別與身分認證</a:t>
-            </a:r>
-            <a:endParaRPr kumimoji="1" lang="en-US" altLang="zh-TW" dirty="0" smtClean="0"/>
-          </a:p>
-          <a:p>
-            <a:pPr lvl="1"/>
-            <a:r>
-              <a:rPr kumimoji="1" lang="zh-TW" altLang="en-US" dirty="0" smtClean="0"/>
-              <a:t>系統強化</a:t>
-            </a:r>
-            <a:r>
-              <a:rPr kumimoji="1" lang="en-US" altLang="zh-TW" dirty="0" smtClean="0"/>
-              <a:t> (System hardening)</a:t>
+              <a:t>資安防禦架構</a:t>
             </a:r>
             <a:endParaRPr kumimoji="1" lang="zh-TW" altLang="en-US" dirty="0"/>
           </a:p>
@@ -15776,7 +15095,7 @@
     </p:spTree>
     <p:extLst>
       <p:ext uri="{BB962C8B-B14F-4D97-AF65-F5344CB8AC3E}">
-        <p14:creationId xmlns:p14="http://schemas.microsoft.com/office/powerpoint/2010/main" val="4084399595"/>
+        <p14:creationId xmlns:p14="http://schemas.microsoft.com/office/powerpoint/2010/main" val="2665601971"/>
       </p:ext>
     </p:extLst>
   </p:cSld>
@@ -15818,6 +15137,10 @@
           <a:bodyPr/>
           <a:lstStyle/>
           <a:p>
+            <a:r>
+              <a:rPr kumimoji="1" lang="zh-TW" altLang="en-US" dirty="0" smtClean="0"/>
+              <a:t>資安管控措施</a:t>
+            </a:r>
             <a:endParaRPr kumimoji="1" lang="zh-TW" altLang="en-US" dirty="0"/>
           </a:p>
         </p:txBody>
@@ -15834,14 +15157,12 @@
         </p:nvSpPr>
         <p:spPr/>
         <p:txBody>
-          <a:bodyPr>
-            <a:normAutofit fontScale="92500" lnSpcReduction="10000"/>
-          </a:bodyPr>
+          <a:bodyPr/>
           <a:lstStyle/>
           <a:p>
             <a:r>
               <a:rPr kumimoji="1" lang="zh-TW" altLang="en-US" dirty="0" smtClean="0"/>
-              <a:t>作業管控措施</a:t>
+              <a:t>技術管控措施</a:t>
             </a:r>
             <a:endParaRPr kumimoji="1" lang="en-US" altLang="zh-TW" dirty="0" smtClean="0"/>
           </a:p>
@@ -15849,7 +15170,7 @@
             <a:pPr lvl="1"/>
             <a:r>
               <a:rPr kumimoji="1" lang="zh-TW" altLang="en-US" dirty="0" smtClean="0"/>
-              <a:t>媒體管制</a:t>
+              <a:t>存取控制</a:t>
             </a:r>
             <a:endParaRPr kumimoji="1" lang="en-US" altLang="zh-TW" dirty="0" smtClean="0"/>
           </a:p>
@@ -15857,7 +15178,7 @@
             <a:pPr lvl="1"/>
             <a:r>
               <a:rPr kumimoji="1" lang="zh-TW" altLang="en-US" dirty="0" smtClean="0"/>
-              <a:t>人員保全</a:t>
+              <a:t>監督與責任</a:t>
             </a:r>
             <a:endParaRPr kumimoji="1" lang="en-US" altLang="zh-TW" dirty="0" smtClean="0"/>
           </a:p>
@@ -15865,7 +15186,7 @@
             <a:pPr lvl="1"/>
             <a:r>
               <a:rPr kumimoji="1" lang="zh-TW" altLang="en-US" dirty="0" smtClean="0"/>
-              <a:t>系統與資訊完整</a:t>
+              <a:t>系統與通信裝備防護</a:t>
             </a:r>
             <a:endParaRPr kumimoji="1" lang="en-US" altLang="zh-TW" dirty="0" smtClean="0"/>
           </a:p>
@@ -15873,7 +15194,7 @@
             <a:pPr lvl="1"/>
             <a:r>
               <a:rPr kumimoji="1" lang="zh-TW" altLang="en-US" dirty="0" smtClean="0"/>
-              <a:t>維護</a:t>
+              <a:t>識別與身分認證</a:t>
             </a:r>
             <a:endParaRPr kumimoji="1" lang="en-US" altLang="zh-TW" dirty="0" smtClean="0"/>
           </a:p>
@@ -15881,47 +15202,11 @@
             <a:pPr lvl="1"/>
             <a:r>
               <a:rPr kumimoji="1" lang="zh-TW" altLang="en-US" dirty="0" smtClean="0"/>
-              <a:t>實體與環境防護</a:t>
-            </a:r>
-            <a:endParaRPr kumimoji="1" lang="en-US" altLang="zh-TW" dirty="0" smtClean="0"/>
-          </a:p>
-          <a:p>
-            <a:pPr lvl="1"/>
-            <a:r>
-              <a:rPr kumimoji="1" lang="zh-TW" altLang="en-US" dirty="0" smtClean="0"/>
-              <a:t>事件反應</a:t>
-            </a:r>
-            <a:endParaRPr kumimoji="1" lang="en-US" altLang="zh-TW" dirty="0" smtClean="0"/>
-          </a:p>
-          <a:p>
-            <a:pPr lvl="1"/>
-            <a:r>
-              <a:rPr kumimoji="1" lang="zh-TW" altLang="en-US" dirty="0" smtClean="0"/>
-              <a:t>偶發事件中</a:t>
+              <a:t>系統強化</a:t>
             </a:r>
             <a:r>
               <a:rPr kumimoji="1" lang="en-US" altLang="zh-TW" dirty="0" smtClean="0"/>
-              <a:t>SSEP</a:t>
-            </a:r>
-            <a:r>
-              <a:rPr kumimoji="1" lang="zh-TW" altLang="en-US" dirty="0" smtClean="0"/>
-              <a:t>功能持續</a:t>
-            </a:r>
-            <a:endParaRPr kumimoji="1" lang="en-US" altLang="zh-TW" dirty="0" smtClean="0"/>
-          </a:p>
-          <a:p>
-            <a:pPr lvl="1"/>
-            <a:r>
-              <a:rPr kumimoji="1" lang="zh-TW" altLang="en-US" dirty="0" smtClean="0"/>
-              <a:t>資安事故認知與訓練</a:t>
-            </a:r>
-            <a:endParaRPr kumimoji="1" lang="en-US" altLang="zh-TW" dirty="0" smtClean="0"/>
-          </a:p>
-          <a:p>
-            <a:pPr lvl="1"/>
-            <a:r>
-              <a:rPr kumimoji="1" lang="zh-TW" altLang="en-US" dirty="0" smtClean="0"/>
-              <a:t>組態管理</a:t>
+              <a:t> (System hardening)</a:t>
             </a:r>
             <a:endParaRPr kumimoji="1" lang="zh-TW" altLang="en-US" dirty="0"/>
           </a:p>
@@ -15930,7 +15215,7 @@
     </p:spTree>
     <p:extLst>
       <p:ext uri="{BB962C8B-B14F-4D97-AF65-F5344CB8AC3E}">
-        <p14:creationId xmlns:p14="http://schemas.microsoft.com/office/powerpoint/2010/main" val="2742304389"/>
+        <p14:creationId xmlns:p14="http://schemas.microsoft.com/office/powerpoint/2010/main" val="4084399595"/>
       </p:ext>
     </p:extLst>
   </p:cSld>
@@ -15972,7 +15257,7 @@
           <a:bodyPr/>
           <a:lstStyle/>
           <a:p>
-            <a:endParaRPr kumimoji="1" lang="zh-TW" altLang="en-US"/>
+            <a:endParaRPr kumimoji="1" lang="zh-TW" altLang="en-US" dirty="0"/>
           </a:p>
         </p:txBody>
       </p:sp>
@@ -15988,12 +15273,14 @@
         </p:nvSpPr>
         <p:spPr/>
         <p:txBody>
-          <a:bodyPr/>
+          <a:bodyPr>
+            <a:normAutofit fontScale="92500" lnSpcReduction="10000"/>
+          </a:bodyPr>
           <a:lstStyle/>
           <a:p>
             <a:r>
               <a:rPr kumimoji="1" lang="zh-TW" altLang="en-US" dirty="0" smtClean="0"/>
-              <a:t>管理管控措施</a:t>
+              <a:t>作業管控措施</a:t>
             </a:r>
             <a:endParaRPr kumimoji="1" lang="en-US" altLang="zh-TW" dirty="0" smtClean="0"/>
           </a:p>
@@ -16001,7 +15288,7 @@
             <a:pPr lvl="1"/>
             <a:r>
               <a:rPr kumimoji="1" lang="zh-TW" altLang="en-US" dirty="0" smtClean="0"/>
-              <a:t>系統與服務籌獲</a:t>
+              <a:t>媒體管制</a:t>
             </a:r>
             <a:endParaRPr kumimoji="1" lang="en-US" altLang="zh-TW" dirty="0" smtClean="0"/>
           </a:p>
@@ -16009,7 +15296,71 @@
             <a:pPr lvl="1"/>
             <a:r>
               <a:rPr kumimoji="1" lang="zh-TW" altLang="en-US" dirty="0" smtClean="0"/>
-              <a:t>安全評估與風險管理</a:t>
+              <a:t>人員保全</a:t>
+            </a:r>
+            <a:endParaRPr kumimoji="1" lang="en-US" altLang="zh-TW" dirty="0" smtClean="0"/>
+          </a:p>
+          <a:p>
+            <a:pPr lvl="1"/>
+            <a:r>
+              <a:rPr kumimoji="1" lang="zh-TW" altLang="en-US" dirty="0" smtClean="0"/>
+              <a:t>系統與資訊完整</a:t>
+            </a:r>
+            <a:endParaRPr kumimoji="1" lang="en-US" altLang="zh-TW" dirty="0" smtClean="0"/>
+          </a:p>
+          <a:p>
+            <a:pPr lvl="1"/>
+            <a:r>
+              <a:rPr kumimoji="1" lang="zh-TW" altLang="en-US" dirty="0" smtClean="0"/>
+              <a:t>維護</a:t>
+            </a:r>
+            <a:endParaRPr kumimoji="1" lang="en-US" altLang="zh-TW" dirty="0" smtClean="0"/>
+          </a:p>
+          <a:p>
+            <a:pPr lvl="1"/>
+            <a:r>
+              <a:rPr kumimoji="1" lang="zh-TW" altLang="en-US" dirty="0" smtClean="0"/>
+              <a:t>實體與環境防護</a:t>
+            </a:r>
+            <a:endParaRPr kumimoji="1" lang="en-US" altLang="zh-TW" dirty="0" smtClean="0"/>
+          </a:p>
+          <a:p>
+            <a:pPr lvl="1"/>
+            <a:r>
+              <a:rPr kumimoji="1" lang="zh-TW" altLang="en-US" dirty="0" smtClean="0"/>
+              <a:t>事件反應</a:t>
+            </a:r>
+            <a:endParaRPr kumimoji="1" lang="en-US" altLang="zh-TW" dirty="0" smtClean="0"/>
+          </a:p>
+          <a:p>
+            <a:pPr lvl="1"/>
+            <a:r>
+              <a:rPr kumimoji="1" lang="zh-TW" altLang="en-US" dirty="0" smtClean="0"/>
+              <a:t>偶發事件中</a:t>
+            </a:r>
+            <a:r>
+              <a:rPr kumimoji="1" lang="en-US" altLang="zh-TW" dirty="0" smtClean="0"/>
+              <a:t>SSEP</a:t>
+            </a:r>
+            <a:r>
+              <a:rPr kumimoji="1" lang="zh-TW" altLang="en-US" dirty="0" smtClean="0"/>
+              <a:t>功能持續</a:t>
+            </a:r>
+            <a:endParaRPr kumimoji="1" lang="en-US" altLang="zh-TW" dirty="0" smtClean="0"/>
+          </a:p>
+          <a:p>
+            <a:pPr lvl="1"/>
+            <a:r>
+              <a:rPr kumimoji="1" lang="zh-TW" altLang="en-US" dirty="0" smtClean="0"/>
+              <a:t>資安事故認知與訓練</a:t>
+            </a:r>
+            <a:endParaRPr kumimoji="1" lang="en-US" altLang="zh-TW" dirty="0" smtClean="0"/>
+          </a:p>
+          <a:p>
+            <a:pPr lvl="1"/>
+            <a:r>
+              <a:rPr kumimoji="1" lang="zh-TW" altLang="en-US" dirty="0" smtClean="0"/>
+              <a:t>組態管理</a:t>
             </a:r>
             <a:endParaRPr kumimoji="1" lang="zh-TW" altLang="en-US" dirty="0"/>
           </a:p>
@@ -16018,7 +15369,7 @@
     </p:spTree>
     <p:extLst>
       <p:ext uri="{BB962C8B-B14F-4D97-AF65-F5344CB8AC3E}">
-        <p14:creationId xmlns:p14="http://schemas.microsoft.com/office/powerpoint/2010/main" val="1197095027"/>
+        <p14:creationId xmlns:p14="http://schemas.microsoft.com/office/powerpoint/2010/main" val="2742304389"/>
       </p:ext>
     </p:extLst>
   </p:cSld>
@@ -16060,6 +15411,94 @@
           <a:bodyPr/>
           <a:lstStyle/>
           <a:p>
+            <a:endParaRPr kumimoji="1" lang="zh-TW" altLang="en-US"/>
+          </a:p>
+        </p:txBody>
+      </p:sp>
+      <p:sp>
+        <p:nvSpPr>
+          <p:cNvPr id="3" name="內容版面配置區 2"/>
+          <p:cNvSpPr>
+            <a:spLocks noGrp="1"/>
+          </p:cNvSpPr>
+          <p:nvPr>
+            <p:ph idx="1"/>
+          </p:nvPr>
+        </p:nvSpPr>
+        <p:spPr/>
+        <p:txBody>
+          <a:bodyPr/>
+          <a:lstStyle/>
+          <a:p>
+            <a:r>
+              <a:rPr kumimoji="1" lang="zh-TW" altLang="en-US" dirty="0" smtClean="0"/>
+              <a:t>管理管控措施</a:t>
+            </a:r>
+            <a:endParaRPr kumimoji="1" lang="en-US" altLang="zh-TW" dirty="0" smtClean="0"/>
+          </a:p>
+          <a:p>
+            <a:pPr lvl="1"/>
+            <a:r>
+              <a:rPr kumimoji="1" lang="zh-TW" altLang="en-US" dirty="0" smtClean="0"/>
+              <a:t>系統與服務籌獲</a:t>
+            </a:r>
+            <a:endParaRPr kumimoji="1" lang="en-US" altLang="zh-TW" dirty="0" smtClean="0"/>
+          </a:p>
+          <a:p>
+            <a:pPr lvl="1"/>
+            <a:r>
+              <a:rPr kumimoji="1" lang="zh-TW" altLang="en-US" dirty="0" smtClean="0"/>
+              <a:t>安全評估與風險管理</a:t>
+            </a:r>
+            <a:endParaRPr kumimoji="1" lang="zh-TW" altLang="en-US" dirty="0"/>
+          </a:p>
+        </p:txBody>
+      </p:sp>
+    </p:spTree>
+    <p:extLst>
+      <p:ext uri="{BB962C8B-B14F-4D97-AF65-F5344CB8AC3E}">
+        <p14:creationId xmlns:p14="http://schemas.microsoft.com/office/powerpoint/2010/main" val="1197095027"/>
+      </p:ext>
+    </p:extLst>
+  </p:cSld>
+  <p:clrMapOvr>
+    <a:masterClrMapping/>
+  </p:clrMapOvr>
+</p:sld>
+</file>
+
+<file path=ppt/slides/slide38.xml><?xml version="1.0" encoding="utf-8"?>
+<p:sld xmlns:a="http://schemas.openxmlformats.org/drawingml/2006/main" xmlns:r="http://schemas.openxmlformats.org/officeDocument/2006/relationships" xmlns:p="http://schemas.openxmlformats.org/presentationml/2006/main">
+  <p:cSld>
+    <p:spTree>
+      <p:nvGrpSpPr>
+        <p:cNvPr id="1" name=""/>
+        <p:cNvGrpSpPr/>
+        <p:nvPr/>
+      </p:nvGrpSpPr>
+      <p:grpSpPr>
+        <a:xfrm>
+          <a:off x="0" y="0"/>
+          <a:ext cx="0" cy="0"/>
+          <a:chOff x="0" y="0"/>
+          <a:chExt cx="0" cy="0"/>
+        </a:xfrm>
+      </p:grpSpPr>
+      <p:sp>
+        <p:nvSpPr>
+          <p:cNvPr id="2" name="標題 1"/>
+          <p:cNvSpPr>
+            <a:spLocks noGrp="1"/>
+          </p:cNvSpPr>
+          <p:nvPr>
+            <p:ph type="title"/>
+          </p:nvPr>
+        </p:nvSpPr>
+        <p:spPr/>
+        <p:txBody>
+          <a:bodyPr/>
+          <a:lstStyle/>
+          <a:p>
             <a:r>
               <a:rPr kumimoji="1" lang="zh-TW" altLang="en-US" dirty="0" smtClean="0"/>
               <a:t>資訊安全計畫維護</a:t>
@@ -16161,7 +15600,7 @@
 </p:sld>
 </file>
 
-<file path=ppt/slides/slide38.xml><?xml version="1.0" encoding="utf-8"?>
+<file path=ppt/slides/slide39.xml><?xml version="1.0" encoding="utf-8"?>
 <p:sld xmlns:a="http://schemas.openxmlformats.org/drawingml/2006/main" xmlns:r="http://schemas.openxmlformats.org/officeDocument/2006/relationships" xmlns:p="http://schemas.openxmlformats.org/presentationml/2006/main">
   <p:cSld>
     <p:spTree>
@@ -16224,196 +15663,6 @@
     <p:extLst>
       <p:ext uri="{BB962C8B-B14F-4D97-AF65-F5344CB8AC3E}">
         <p14:creationId xmlns:p14="http://schemas.microsoft.com/office/powerpoint/2010/main" val="719088517"/>
-      </p:ext>
-    </p:extLst>
-  </p:cSld>
-  <p:clrMapOvr>
-    <a:masterClrMapping/>
-  </p:clrMapOvr>
-</p:sld>
-</file>
-
-<file path=ppt/slides/slide39.xml><?xml version="1.0" encoding="utf-8"?>
-<p:sld xmlns:a="http://schemas.openxmlformats.org/drawingml/2006/main" xmlns:r="http://schemas.openxmlformats.org/officeDocument/2006/relationships" xmlns:p="http://schemas.openxmlformats.org/presentationml/2006/main">
-  <p:cSld>
-    <p:spTree>
-      <p:nvGrpSpPr>
-        <p:cNvPr id="1" name=""/>
-        <p:cNvGrpSpPr/>
-        <p:nvPr/>
-      </p:nvGrpSpPr>
-      <p:grpSpPr>
-        <a:xfrm>
-          <a:off x="0" y="0"/>
-          <a:ext cx="0" cy="0"/>
-          <a:chOff x="0" y="0"/>
-          <a:chExt cx="0" cy="0"/>
-        </a:xfrm>
-      </p:grpSpPr>
-      <p:sp>
-        <p:nvSpPr>
-          <p:cNvPr id="2" name="標題 1"/>
-          <p:cNvSpPr>
-            <a:spLocks noGrp="1"/>
-          </p:cNvSpPr>
-          <p:nvPr>
-            <p:ph type="title"/>
-          </p:nvPr>
-        </p:nvSpPr>
-        <p:spPr/>
-        <p:txBody>
-          <a:bodyPr/>
-          <a:lstStyle/>
-          <a:p>
-            <a:r>
-              <a:rPr kumimoji="1" lang="zh-TW" altLang="en-US" dirty="0" smtClean="0"/>
-              <a:t>核電廠資訊安全</a:t>
-            </a:r>
-            <a:endParaRPr kumimoji="1" lang="zh-TW" altLang="en-US" dirty="0"/>
-          </a:p>
-        </p:txBody>
-      </p:sp>
-      <p:sp>
-        <p:nvSpPr>
-          <p:cNvPr id="3" name="內容版面配置區 2"/>
-          <p:cNvSpPr>
-            <a:spLocks noGrp="1"/>
-          </p:cNvSpPr>
-          <p:nvPr>
-            <p:ph idx="1"/>
-          </p:nvPr>
-        </p:nvSpPr>
-        <p:spPr/>
-        <p:txBody>
-          <a:bodyPr>
-            <a:normAutofit fontScale="70000" lnSpcReduction="20000"/>
-          </a:bodyPr>
-          <a:lstStyle/>
-          <a:p>
-            <a:r>
-              <a:rPr kumimoji="1" lang="zh-TW" altLang="en-US" dirty="0" smtClean="0"/>
-              <a:t>核電廠資訊安全文獻蒐集與近五年文獻回顧</a:t>
-            </a:r>
-            <a:endParaRPr kumimoji="1" lang="en-US" altLang="zh-TW" dirty="0" smtClean="0"/>
-          </a:p>
-          <a:p>
-            <a:pPr lvl="1"/>
-            <a:r>
-              <a:rPr kumimoji="1" lang="zh-TW" altLang="en-US" dirty="0" smtClean="0"/>
-              <a:t>重要學術論文</a:t>
-            </a:r>
-            <a:endParaRPr kumimoji="1" lang="en-US" altLang="zh-TW" dirty="0" smtClean="0"/>
-          </a:p>
-          <a:p>
-            <a:pPr lvl="1"/>
-            <a:r>
-              <a:rPr kumimoji="1" lang="zh-TW" altLang="en-US" dirty="0" smtClean="0"/>
-              <a:t>重要資安事件</a:t>
-            </a:r>
-            <a:endParaRPr kumimoji="1" lang="en-US" altLang="zh-TW" dirty="0" smtClean="0"/>
-          </a:p>
-          <a:p>
-            <a:pPr lvl="1"/>
-            <a:r>
-              <a:rPr kumimoji="1" lang="zh-TW" altLang="en-US" dirty="0" smtClean="0"/>
-              <a:t>重要媒體報導</a:t>
-            </a:r>
-            <a:endParaRPr kumimoji="1" lang="en-US" altLang="zh-TW" dirty="0" smtClean="0"/>
-          </a:p>
-          <a:p>
-            <a:r>
-              <a:rPr kumimoji="1" lang="zh-TW" altLang="en-US" dirty="0" smtClean="0"/>
-              <a:t>核電廠資訊安全相關技術理論整理</a:t>
-            </a:r>
-            <a:endParaRPr kumimoji="1" lang="en-US" altLang="zh-TW" dirty="0" smtClean="0"/>
-          </a:p>
-          <a:p>
-            <a:r>
-              <a:rPr kumimoji="1" lang="zh-TW" altLang="en-US" dirty="0" smtClean="0"/>
-              <a:t>美國「核能設施資訊保安計畫」內容重點討論與整理</a:t>
-            </a:r>
-            <a:endParaRPr kumimoji="1" lang="en-US" altLang="zh-TW" dirty="0" smtClean="0"/>
-          </a:p>
-          <a:p>
-            <a:pPr lvl="1"/>
-            <a:r>
-              <a:rPr kumimoji="1" lang="zh-TW" altLang="en-US" dirty="0" smtClean="0"/>
-              <a:t>相關規定整理</a:t>
-            </a:r>
-            <a:endParaRPr kumimoji="1" lang="en-US" altLang="zh-TW" dirty="0" smtClean="0"/>
-          </a:p>
-          <a:p>
-            <a:pPr lvl="1"/>
-            <a:r>
-              <a:rPr kumimoji="1" lang="zh-TW" altLang="en-US" dirty="0" smtClean="0"/>
-              <a:t>需求要項分析</a:t>
-            </a:r>
-            <a:endParaRPr kumimoji="1" lang="en-US" altLang="zh-TW" dirty="0" smtClean="0"/>
-          </a:p>
-          <a:p>
-            <a:pPr lvl="1"/>
-            <a:r>
-              <a:rPr kumimoji="1" lang="zh-TW" altLang="en-US" dirty="0" smtClean="0"/>
-              <a:t>數位資產辨識與評估</a:t>
-            </a:r>
-            <a:endParaRPr kumimoji="1" lang="en-US" altLang="zh-TW" dirty="0" smtClean="0"/>
-          </a:p>
-          <a:p>
-            <a:pPr lvl="1"/>
-            <a:r>
-              <a:rPr kumimoji="1" lang="zh-TW" altLang="en-US" dirty="0" smtClean="0"/>
-              <a:t>數位資產威脅與風險</a:t>
-            </a:r>
-            <a:endParaRPr kumimoji="1" lang="en-US" altLang="zh-TW" dirty="0" smtClean="0"/>
-          </a:p>
-          <a:p>
-            <a:pPr lvl="1"/>
-            <a:r>
-              <a:rPr kumimoji="1" lang="zh-TW" altLang="en-US" dirty="0" smtClean="0"/>
-              <a:t>資安縱深防禦架構</a:t>
-            </a:r>
-            <a:endParaRPr kumimoji="1" lang="en-US" altLang="zh-TW" dirty="0" smtClean="0"/>
-          </a:p>
-          <a:p>
-            <a:pPr lvl="1"/>
-            <a:r>
-              <a:rPr kumimoji="1" lang="zh-TW" altLang="en-US" dirty="0" smtClean="0"/>
-              <a:t>資安管制措施探討</a:t>
-            </a:r>
-            <a:endParaRPr kumimoji="1" lang="en-US" altLang="zh-TW" dirty="0" smtClean="0"/>
-          </a:p>
-          <a:p>
-            <a:pPr lvl="1"/>
-            <a:r>
-              <a:rPr kumimoji="1" lang="zh-TW" altLang="en-US" dirty="0" smtClean="0"/>
-              <a:t>核能設施資訊保安計畫實施</a:t>
-            </a:r>
-            <a:endParaRPr kumimoji="1" lang="en-US" altLang="zh-TW" dirty="0" smtClean="0"/>
-          </a:p>
-          <a:p>
-            <a:r>
-              <a:rPr kumimoji="1" lang="zh-TW" altLang="en-US" dirty="0" smtClean="0"/>
-              <a:t>核電廠資訊安全結案報告撰寫</a:t>
-            </a:r>
-            <a:endParaRPr kumimoji="1" lang="en-US" altLang="zh-TW" dirty="0" smtClean="0"/>
-          </a:p>
-          <a:p>
-            <a:pPr lvl="1"/>
-            <a:endParaRPr kumimoji="1" lang="en-US" altLang="zh-TW" dirty="0" smtClean="0"/>
-          </a:p>
-          <a:p>
-            <a:pPr lvl="1"/>
-            <a:endParaRPr kumimoji="1" lang="en-US" altLang="zh-TW" dirty="0" smtClean="0"/>
-          </a:p>
-          <a:p>
-            <a:endParaRPr kumimoji="1" lang="zh-TW" altLang="en-US" dirty="0"/>
-          </a:p>
-        </p:txBody>
-      </p:sp>
-    </p:spTree>
-    <p:extLst>
-      <p:ext uri="{BB962C8B-B14F-4D97-AF65-F5344CB8AC3E}">
-        <p14:creationId xmlns:p14="http://schemas.microsoft.com/office/powerpoint/2010/main" val="328202848"/>
       </p:ext>
     </p:extLst>
   </p:cSld>
@@ -16620,6 +15869,196 @@
     <p:extLst>
       <p:ext uri="{BB962C8B-B14F-4D97-AF65-F5344CB8AC3E}">
         <p14:creationId xmlns:p14="http://schemas.microsoft.com/office/powerpoint/2010/main" val="220237436"/>
+      </p:ext>
+    </p:extLst>
+  </p:cSld>
+  <p:clrMapOvr>
+    <a:masterClrMapping/>
+  </p:clrMapOvr>
+</p:sld>
+</file>
+
+<file path=ppt/slides/slide40.xml><?xml version="1.0" encoding="utf-8"?>
+<p:sld xmlns:a="http://schemas.openxmlformats.org/drawingml/2006/main" xmlns:r="http://schemas.openxmlformats.org/officeDocument/2006/relationships" xmlns:p="http://schemas.openxmlformats.org/presentationml/2006/main">
+  <p:cSld>
+    <p:spTree>
+      <p:nvGrpSpPr>
+        <p:cNvPr id="1" name=""/>
+        <p:cNvGrpSpPr/>
+        <p:nvPr/>
+      </p:nvGrpSpPr>
+      <p:grpSpPr>
+        <a:xfrm>
+          <a:off x="0" y="0"/>
+          <a:ext cx="0" cy="0"/>
+          <a:chOff x="0" y="0"/>
+          <a:chExt cx="0" cy="0"/>
+        </a:xfrm>
+      </p:grpSpPr>
+      <p:sp>
+        <p:nvSpPr>
+          <p:cNvPr id="2" name="標題 1"/>
+          <p:cNvSpPr>
+            <a:spLocks noGrp="1"/>
+          </p:cNvSpPr>
+          <p:nvPr>
+            <p:ph type="title"/>
+          </p:nvPr>
+        </p:nvSpPr>
+        <p:spPr/>
+        <p:txBody>
+          <a:bodyPr/>
+          <a:lstStyle/>
+          <a:p>
+            <a:r>
+              <a:rPr kumimoji="1" lang="zh-TW" altLang="en-US" dirty="0" smtClean="0"/>
+              <a:t>核電廠資訊安全</a:t>
+            </a:r>
+            <a:endParaRPr kumimoji="1" lang="zh-TW" altLang="en-US" dirty="0"/>
+          </a:p>
+        </p:txBody>
+      </p:sp>
+      <p:sp>
+        <p:nvSpPr>
+          <p:cNvPr id="3" name="內容版面配置區 2"/>
+          <p:cNvSpPr>
+            <a:spLocks noGrp="1"/>
+          </p:cNvSpPr>
+          <p:nvPr>
+            <p:ph idx="1"/>
+          </p:nvPr>
+        </p:nvSpPr>
+        <p:spPr/>
+        <p:txBody>
+          <a:bodyPr>
+            <a:normAutofit fontScale="70000" lnSpcReduction="20000"/>
+          </a:bodyPr>
+          <a:lstStyle/>
+          <a:p>
+            <a:r>
+              <a:rPr kumimoji="1" lang="zh-TW" altLang="en-US" dirty="0" smtClean="0"/>
+              <a:t>核電廠資訊安全文獻蒐集與近五年文獻回顧</a:t>
+            </a:r>
+            <a:endParaRPr kumimoji="1" lang="en-US" altLang="zh-TW" dirty="0" smtClean="0"/>
+          </a:p>
+          <a:p>
+            <a:pPr lvl="1"/>
+            <a:r>
+              <a:rPr kumimoji="1" lang="zh-TW" altLang="en-US" dirty="0" smtClean="0"/>
+              <a:t>重要學術論文</a:t>
+            </a:r>
+            <a:endParaRPr kumimoji="1" lang="en-US" altLang="zh-TW" dirty="0" smtClean="0"/>
+          </a:p>
+          <a:p>
+            <a:pPr lvl="1"/>
+            <a:r>
+              <a:rPr kumimoji="1" lang="zh-TW" altLang="en-US" dirty="0" smtClean="0"/>
+              <a:t>重要資安事件</a:t>
+            </a:r>
+            <a:endParaRPr kumimoji="1" lang="en-US" altLang="zh-TW" dirty="0" smtClean="0"/>
+          </a:p>
+          <a:p>
+            <a:pPr lvl="1"/>
+            <a:r>
+              <a:rPr kumimoji="1" lang="zh-TW" altLang="en-US" dirty="0" smtClean="0"/>
+              <a:t>重要媒體報導</a:t>
+            </a:r>
+            <a:endParaRPr kumimoji="1" lang="en-US" altLang="zh-TW" dirty="0" smtClean="0"/>
+          </a:p>
+          <a:p>
+            <a:r>
+              <a:rPr kumimoji="1" lang="zh-TW" altLang="en-US" dirty="0" smtClean="0"/>
+              <a:t>核電廠資訊安全相關技術理論整理</a:t>
+            </a:r>
+            <a:endParaRPr kumimoji="1" lang="en-US" altLang="zh-TW" dirty="0" smtClean="0"/>
+          </a:p>
+          <a:p>
+            <a:r>
+              <a:rPr kumimoji="1" lang="zh-TW" altLang="en-US" dirty="0" smtClean="0"/>
+              <a:t>美國「核能設施資訊保安計畫」內容重點討論與整理</a:t>
+            </a:r>
+            <a:endParaRPr kumimoji="1" lang="en-US" altLang="zh-TW" dirty="0" smtClean="0"/>
+          </a:p>
+          <a:p>
+            <a:pPr lvl="1"/>
+            <a:r>
+              <a:rPr kumimoji="1" lang="zh-TW" altLang="en-US" dirty="0" smtClean="0"/>
+              <a:t>相關規定整理</a:t>
+            </a:r>
+            <a:endParaRPr kumimoji="1" lang="en-US" altLang="zh-TW" dirty="0" smtClean="0"/>
+          </a:p>
+          <a:p>
+            <a:pPr lvl="1"/>
+            <a:r>
+              <a:rPr kumimoji="1" lang="zh-TW" altLang="en-US" dirty="0" smtClean="0"/>
+              <a:t>需求要項分析</a:t>
+            </a:r>
+            <a:endParaRPr kumimoji="1" lang="en-US" altLang="zh-TW" dirty="0" smtClean="0"/>
+          </a:p>
+          <a:p>
+            <a:pPr lvl="1"/>
+            <a:r>
+              <a:rPr kumimoji="1" lang="zh-TW" altLang="en-US" dirty="0" smtClean="0"/>
+              <a:t>數位資產辨識與評估</a:t>
+            </a:r>
+            <a:endParaRPr kumimoji="1" lang="en-US" altLang="zh-TW" dirty="0" smtClean="0"/>
+          </a:p>
+          <a:p>
+            <a:pPr lvl="1"/>
+            <a:r>
+              <a:rPr kumimoji="1" lang="zh-TW" altLang="en-US" dirty="0" smtClean="0"/>
+              <a:t>數位資產威脅與風險</a:t>
+            </a:r>
+            <a:endParaRPr kumimoji="1" lang="en-US" altLang="zh-TW" dirty="0" smtClean="0"/>
+          </a:p>
+          <a:p>
+            <a:pPr lvl="1"/>
+            <a:r>
+              <a:rPr kumimoji="1" lang="zh-TW" altLang="en-US" dirty="0" smtClean="0"/>
+              <a:t>資安縱深防禦架構</a:t>
+            </a:r>
+            <a:endParaRPr kumimoji="1" lang="en-US" altLang="zh-TW" dirty="0" smtClean="0"/>
+          </a:p>
+          <a:p>
+            <a:pPr lvl="1"/>
+            <a:r>
+              <a:rPr kumimoji="1" lang="zh-TW" altLang="en-US" dirty="0" smtClean="0"/>
+              <a:t>資安管制措施探討</a:t>
+            </a:r>
+            <a:endParaRPr kumimoji="1" lang="en-US" altLang="zh-TW" dirty="0" smtClean="0"/>
+          </a:p>
+          <a:p>
+            <a:pPr lvl="1"/>
+            <a:r>
+              <a:rPr kumimoji="1" lang="zh-TW" altLang="en-US" dirty="0" smtClean="0"/>
+              <a:t>核能設施資訊保安計畫實施</a:t>
+            </a:r>
+            <a:endParaRPr kumimoji="1" lang="en-US" altLang="zh-TW" dirty="0" smtClean="0"/>
+          </a:p>
+          <a:p>
+            <a:r>
+              <a:rPr kumimoji="1" lang="zh-TW" altLang="en-US" dirty="0" smtClean="0"/>
+              <a:t>核電廠資訊安全結案報告撰寫</a:t>
+            </a:r>
+            <a:endParaRPr kumimoji="1" lang="en-US" altLang="zh-TW" dirty="0" smtClean="0"/>
+          </a:p>
+          <a:p>
+            <a:pPr lvl="1"/>
+            <a:endParaRPr kumimoji="1" lang="en-US" altLang="zh-TW" dirty="0" smtClean="0"/>
+          </a:p>
+          <a:p>
+            <a:pPr lvl="1"/>
+            <a:endParaRPr kumimoji="1" lang="en-US" altLang="zh-TW" dirty="0" smtClean="0"/>
+          </a:p>
+          <a:p>
+            <a:endParaRPr kumimoji="1" lang="zh-TW" altLang="en-US" dirty="0"/>
+          </a:p>
+        </p:txBody>
+      </p:sp>
+    </p:spTree>
+    <p:extLst>
+      <p:ext uri="{BB962C8B-B14F-4D97-AF65-F5344CB8AC3E}">
+        <p14:creationId xmlns:p14="http://schemas.microsoft.com/office/powerpoint/2010/main" val="328202848"/>
       </p:ext>
     </p:extLst>
   </p:cSld>
